--- a/Blue and Purple Casual Corporate Lean Canvas Business Plan Business Presentation.pptx
+++ b/Blue and Purple Casual Corporate Lean Canvas Business Plan Business Presentation.pptx
@@ -1,90 +1,53 @@
 
 <file path=ppt/presentation.xml><?xml version="1.0" encoding="utf-8"?>
-<p:presentation xmlns:a="http://schemas.openxmlformats.org/drawingml/2006/main" xmlns:r="http://schemas.openxmlformats.org/officeDocument/2006/relationships" xmlns:p="http://schemas.openxmlformats.org/presentationml/2006/main" saveSubsetFonts="1" embedTrueTypeFonts="true">
+<p:presentation xmlns:a="http://schemas.openxmlformats.org/drawingml/2006/main" xmlns:r="http://schemas.openxmlformats.org/officeDocument/2006/relationships" xmlns:p="http://schemas.openxmlformats.org/presentationml/2006/main" embedTrueTypeFonts="1" saveSubsetFonts="1">
   <p:sldMasterIdLst>
     <p:sldMasterId id="2147483648" r:id="rId1"/>
   </p:sldMasterIdLst>
   <p:sldIdLst>
-    <p:sldId id="256" r:id="rId22"/>
-    <p:sldId id="257" r:id="rId23"/>
-    <p:sldId id="258" r:id="rId24"/>
-    <p:sldId id="259" r:id="rId25"/>
-    <p:sldId id="260" r:id="rId26"/>
-    <p:sldId id="261" r:id="rId27"/>
-    <p:sldId id="262" r:id="rId28"/>
-    <p:sldId id="263" r:id="rId29"/>
-    <p:sldId id="264" r:id="rId30"/>
-    <p:sldId id="265" r:id="rId31"/>
-    <p:sldId id="266" r:id="rId32"/>
-    <p:sldId id="267" r:id="rId33"/>
-    <p:sldId id="268" r:id="rId34"/>
+    <p:sldId id="256" r:id="rId2"/>
+    <p:sldId id="257" r:id="rId3"/>
+    <p:sldId id="258" r:id="rId4"/>
+    <p:sldId id="259" r:id="rId5"/>
+    <p:sldId id="260" r:id="rId6"/>
+    <p:sldId id="261" r:id="rId7"/>
+    <p:sldId id="262" r:id="rId8"/>
+    <p:sldId id="263" r:id="rId9"/>
+    <p:sldId id="264" r:id="rId10"/>
+    <p:sldId id="265" r:id="rId11"/>
+    <p:sldId id="266" r:id="rId12"/>
+    <p:sldId id="267" r:id="rId13"/>
+    <p:sldId id="268" r:id="rId14"/>
   </p:sldIdLst>
   <p:sldSz cx="18288000" cy="10287000"/>
   <p:notesSz cx="6858000" cy="9144000"/>
   <p:embeddedFontLst>
     <p:embeddedFont>
-      <p:font typeface="Arimo" charset="1" panose="020B0604020202020204"/>
-      <p:regular r:id="rId6"/>
-    </p:embeddedFont>
-    <p:embeddedFont>
-      <p:font typeface="Arimo Bold" charset="1" panose="020B0704020202020204"/>
-      <p:regular r:id="rId7"/>
-    </p:embeddedFont>
-    <p:embeddedFont>
-      <p:font typeface="Arimo Italics" charset="1" panose="020B0604020202090204"/>
-      <p:regular r:id="rId8"/>
-    </p:embeddedFont>
-    <p:embeddedFont>
-      <p:font typeface="Arimo Bold Italics" charset="1" panose="020B0704020202090204"/>
-      <p:regular r:id="rId9"/>
-    </p:embeddedFont>
-    <p:embeddedFont>
-      <p:font typeface="Times Neue Roman" charset="1" panose="00000500000000000000"/>
-      <p:regular r:id="rId10"/>
-    </p:embeddedFont>
-    <p:embeddedFont>
-      <p:font typeface="Times Neue Roman Bold" charset="1" panose="00000800000000000000"/>
-      <p:regular r:id="rId11"/>
-    </p:embeddedFont>
-    <p:embeddedFont>
-      <p:font typeface="Times Neue Roman Italics" charset="1" panose="00000500000000000000"/>
-      <p:regular r:id="rId12"/>
-    </p:embeddedFont>
-    <p:embeddedFont>
-      <p:font typeface="Times Neue Roman Bold Italics" charset="1" panose="00000800000000000000"/>
-      <p:regular r:id="rId13"/>
-    </p:embeddedFont>
-    <p:embeddedFont>
-      <p:font typeface="Fira Sans Light" charset="1" panose="020B0403050000020004"/>
-      <p:regular r:id="rId14"/>
-    </p:embeddedFont>
-    <p:embeddedFont>
-      <p:font typeface="Fira Sans Light Bold" charset="1" panose="020B0503050000020004"/>
+      <p:font typeface="Times Neue Roman Bold" charset="0"/>
       <p:regular r:id="rId15"/>
     </p:embeddedFont>
     <p:embeddedFont>
-      <p:font typeface="Fira Sans Light Italics" charset="1" panose="020B0403050000020004"/>
+      <p:font typeface="Fira Sans Light Bold" charset="0"/>
       <p:regular r:id="rId16"/>
     </p:embeddedFont>
     <p:embeddedFont>
-      <p:font typeface="Fira Sans Light Bold Italics" charset="1" panose="020B0503050000020004"/>
+      <p:font typeface="Fira Sans Medium Bold" charset="0"/>
       <p:regular r:id="rId17"/>
     </p:embeddedFont>
     <p:embeddedFont>
-      <p:font typeface="Fira Sans Medium" charset="1" panose="020B0603050000020004"/>
+      <p:font typeface="Fira Sans Light" charset="0"/>
       <p:regular r:id="rId18"/>
     </p:embeddedFont>
     <p:embeddedFont>
-      <p:font typeface="Fira Sans Medium Bold" charset="1" panose="020B0603050000020004"/>
+      <p:font typeface="Calibri" pitchFamily="34" charset="0"/>
       <p:regular r:id="rId19"/>
+      <p:bold r:id="rId20"/>
+      <p:italic r:id="rId21"/>
+      <p:boldItalic r:id="rId22"/>
     </p:embeddedFont>
     <p:embeddedFont>
-      <p:font typeface="Fira Sans Medium Italics" charset="1" panose="020B0603050000020004"/>
-      <p:regular r:id="rId20"/>
-    </p:embeddedFont>
-    <p:embeddedFont>
-      <p:font typeface="Fira Sans Medium Bold Italics" charset="1" panose="020B0703050000020004"/>
-      <p:regular r:id="rId21"/>
+      <p:font typeface="Times Neue Roman" charset="0"/>
+      <p:regular r:id="rId23"/>
     </p:embeddedFont>
   </p:embeddedFontLst>
   <p:defaultTextStyle>
@@ -367,7 +330,7 @@
             <a:fld id="{1D8BD707-D9CF-40AE-B4C6-C98DA3205C09}" type="datetimeFigureOut">
               <a:rPr lang="en-US" smtClean="0"/>
               <a:pPr/>
-              <a:t>8/1/2011</a:t>
+              <a:t>10/5/2022</a:t>
             </a:fld>
             <a:endParaRPr lang="en-US"/>
           </a:p>
@@ -534,7 +497,7 @@
             <a:fld id="{1D8BD707-D9CF-40AE-B4C6-C98DA3205C09}" type="datetimeFigureOut">
               <a:rPr lang="en-US" smtClean="0"/>
               <a:pPr/>
-              <a:t>8/1/2011</a:t>
+              <a:t>10/5/2022</a:t>
             </a:fld>
             <a:endParaRPr lang="en-US"/>
           </a:p>
@@ -711,7 +674,7 @@
             <a:fld id="{1D8BD707-D9CF-40AE-B4C6-C98DA3205C09}" type="datetimeFigureOut">
               <a:rPr lang="en-US" smtClean="0"/>
               <a:pPr/>
-              <a:t>8/1/2011</a:t>
+              <a:t>10/5/2022</a:t>
             </a:fld>
             <a:endParaRPr lang="en-US"/>
           </a:p>
@@ -878,7 +841,7 @@
             <a:fld id="{1D8BD707-D9CF-40AE-B4C6-C98DA3205C09}" type="datetimeFigureOut">
               <a:rPr lang="en-US" smtClean="0"/>
               <a:pPr/>
-              <a:t>8/1/2011</a:t>
+              <a:t>10/5/2022</a:t>
             </a:fld>
             <a:endParaRPr lang="en-US"/>
           </a:p>
@@ -1121,7 +1084,7 @@
             <a:fld id="{1D8BD707-D9CF-40AE-B4C6-C98DA3205C09}" type="datetimeFigureOut">
               <a:rPr lang="en-US" smtClean="0"/>
               <a:pPr/>
-              <a:t>8/1/2011</a:t>
+              <a:t>10/5/2022</a:t>
             </a:fld>
             <a:endParaRPr lang="en-US"/>
           </a:p>
@@ -1406,7 +1369,7 @@
             <a:fld id="{1D8BD707-D9CF-40AE-B4C6-C98DA3205C09}" type="datetimeFigureOut">
               <a:rPr lang="en-US" smtClean="0"/>
               <a:pPr/>
-              <a:t>8/1/2011</a:t>
+              <a:t>10/5/2022</a:t>
             </a:fld>
             <a:endParaRPr lang="en-US"/>
           </a:p>
@@ -1825,7 +1788,7 @@
             <a:fld id="{1D8BD707-D9CF-40AE-B4C6-C98DA3205C09}" type="datetimeFigureOut">
               <a:rPr lang="en-US" smtClean="0"/>
               <a:pPr/>
-              <a:t>8/1/2011</a:t>
+              <a:t>10/5/2022</a:t>
             </a:fld>
             <a:endParaRPr lang="en-US"/>
           </a:p>
@@ -1940,7 +1903,7 @@
             <a:fld id="{1D8BD707-D9CF-40AE-B4C6-C98DA3205C09}" type="datetimeFigureOut">
               <a:rPr lang="en-US" smtClean="0"/>
               <a:pPr/>
-              <a:t>8/1/2011</a:t>
+              <a:t>10/5/2022</a:t>
             </a:fld>
             <a:endParaRPr lang="en-US"/>
           </a:p>
@@ -2032,7 +1995,7 @@
             <a:fld id="{1D8BD707-D9CF-40AE-B4C6-C98DA3205C09}" type="datetimeFigureOut">
               <a:rPr lang="en-US" smtClean="0"/>
               <a:pPr/>
-              <a:t>8/1/2011</a:t>
+              <a:t>10/5/2022</a:t>
             </a:fld>
             <a:endParaRPr lang="en-US"/>
           </a:p>
@@ -2306,7 +2269,7 @@
             <a:fld id="{1D8BD707-D9CF-40AE-B4C6-C98DA3205C09}" type="datetimeFigureOut">
               <a:rPr lang="en-US" smtClean="0"/>
               <a:pPr/>
-              <a:t>8/1/2011</a:t>
+              <a:t>10/5/2022</a:t>
             </a:fld>
             <a:endParaRPr lang="en-US"/>
           </a:p>
@@ -2556,7 +2519,7 @@
             <a:fld id="{1D8BD707-D9CF-40AE-B4C6-C98DA3205C09}" type="datetimeFigureOut">
               <a:rPr lang="en-US" smtClean="0"/>
               <a:pPr/>
-              <a:t>8/1/2011</a:t>
+              <a:t>10/5/2022</a:t>
             </a:fld>
             <a:endParaRPr lang="en-US"/>
           </a:p>
@@ -2766,7 +2729,7 @@
             <a:fld id="{1D8BD707-D9CF-40AE-B4C6-C98DA3205C09}" type="datetimeFigureOut">
               <a:rPr lang="en-US" smtClean="0"/>
               <a:pPr/>
-              <a:t>8/1/2011</a:t>
+              <a:t>10/5/2022</a:t>
             </a:fld>
             <a:endParaRPr lang="en-US"/>
           </a:p>
@@ -3121,7 +3084,7 @@
 </file>
 
 <file path=ppt/slides/slide1.xml><?xml version="1.0" encoding="utf-8"?>
-<p:sld xmlns:p="http://schemas.openxmlformats.org/presentationml/2006/main" xmlns:a="http://schemas.openxmlformats.org/drawingml/2006/main" xmlns:r="http://schemas.openxmlformats.org/officeDocument/2006/relationships">
+<p:sld xmlns:a="http://schemas.openxmlformats.org/drawingml/2006/main" xmlns:r="http://schemas.openxmlformats.org/officeDocument/2006/relationships" xmlns:p="http://schemas.openxmlformats.org/presentationml/2006/main">
   <p:cSld>
     <p:spTree>
       <p:nvGrpSpPr>
@@ -3139,9 +3102,9 @@
       </p:grpSpPr>
       <p:pic>
         <p:nvPicPr>
-          <p:cNvPr name="Picture 2" id="2"/>
+          <p:cNvPr id="2" name="Picture 2"/>
           <p:cNvPicPr>
-            <a:picLocks noChangeAspect="true"/>
+            <a:picLocks noChangeAspect="1"/>
           </p:cNvPicPr>
           <p:nvPr/>
         </p:nvPicPr>
@@ -3149,20 +3112,20 @@
           <a:blip r:embed="rId2">
             <a:extLst>
               <a:ext uri="{28A0092B-C50C-407E-A947-70E740481C1C}">
-                <a14:useLocalDpi xmlns:a14="http://schemas.microsoft.com/office/drawing/2010/main" val="0"/>
+                <a14:useLocalDpi xmlns:a14="http://schemas.microsoft.com/office/drawing/2010/main" xmlns="" val="0"/>
               </a:ext>
               <a:ext uri="{96DAC541-7B7A-43D3-8B79-37D633B846F1}">
-                <asvg:svgBlip xmlns:asvg="http://schemas.microsoft.com/office/drawing/2016/SVG/main" r:embed="rId3"/>
+                <asvg:svgBlip xmlns:asvg="http://schemas.microsoft.com/office/drawing/2016/SVG/main" xmlns="" r:embed="rId3"/>
               </a:ext>
             </a:extLst>
           </a:blip>
-          <a:srcRect l="0" t="34026" r="0" b="0"/>
+          <a:srcRect t="34026"/>
           <a:stretch>
             <a:fillRect/>
           </a:stretch>
         </p:blipFill>
         <p:spPr>
-          <a:xfrm flipH="false" flipV="false" rot="0">
+          <a:xfrm>
             <a:off x="10170091" y="5625476"/>
             <a:ext cx="10916468" cy="6232945"/>
           </a:xfrm>
@@ -3173,9 +3136,9 @@
       </p:pic>
       <p:pic>
         <p:nvPicPr>
-          <p:cNvPr name="Picture 3" id="3"/>
+          <p:cNvPr id="3" name="Picture 3"/>
           <p:cNvPicPr>
-            <a:picLocks noChangeAspect="true"/>
+            <a:picLocks noChangeAspect="1"/>
           </p:cNvPicPr>
           <p:nvPr/>
         </p:nvPicPr>
@@ -3183,21 +3146,21 @@
           <a:blip r:embed="rId2">
             <a:extLst>
               <a:ext uri="{28A0092B-C50C-407E-A947-70E740481C1C}">
-                <a14:useLocalDpi xmlns:a14="http://schemas.microsoft.com/office/drawing/2010/main" val="0"/>
+                <a14:useLocalDpi xmlns:a14="http://schemas.microsoft.com/office/drawing/2010/main" xmlns="" val="0"/>
               </a:ext>
               <a:ext uri="{96DAC541-7B7A-43D3-8B79-37D633B846F1}">
-                <asvg:svgBlip xmlns:asvg="http://schemas.microsoft.com/office/drawing/2016/SVG/main" r:embed="rId3"/>
+                <asvg:svgBlip xmlns:asvg="http://schemas.microsoft.com/office/drawing/2016/SVG/main" xmlns="" r:embed="rId3"/>
               </a:ext>
             </a:extLst>
           </a:blip>
-          <a:srcRect l="0" t="34026" r="0" b="0"/>
+          <a:srcRect t="34026"/>
           <a:stretch>
             <a:fillRect/>
           </a:stretch>
         </p:blipFill>
         <p:spPr>
-          <a:xfrm flipH="false" flipV="false" rot="0">
-            <a:off x="13446409" y="-597944"/>
+          <a:xfrm>
+            <a:off x="13487400" y="-495300"/>
             <a:ext cx="10916468" cy="6232945"/>
           </a:xfrm>
           <a:prstGeom prst="rect">
@@ -3207,14 +3170,14 @@
       </p:pic>
       <p:grpSp>
         <p:nvGrpSpPr>
-          <p:cNvPr name="Group 4" id="4"/>
+          <p:cNvPr id="4" name="Group 4"/>
           <p:cNvGrpSpPr>
-            <a:grpSpLocks noChangeAspect="true"/>
+            <a:grpSpLocks noChangeAspect="1"/>
           </p:cNvGrpSpPr>
           <p:nvPr/>
         </p:nvGrpSpPr>
         <p:grpSpPr>
-          <a:xfrm rot="0">
+          <a:xfrm>
             <a:off x="10170091" y="1637141"/>
             <a:ext cx="7315792" cy="6335146"/>
             <a:chOff x="0" y="0"/>
@@ -3223,7 +3186,7 @@
         </p:grpSpPr>
         <p:sp>
           <p:nvSpPr>
-            <p:cNvPr name="Freeform 5" id="5"/>
+            <p:cNvPr id="5" name="Freeform 5"/>
             <p:cNvSpPr/>
             <p:nvPr/>
           </p:nvSpPr>
@@ -3237,9 +3200,9 @@
               <a:gdLst/>
               <a:ahLst/>
               <a:cxnLst/>
-              <a:rect r="r" b="b" t="t" l="l"/>
+              <a:rect l="l" t="t" r="r" b="b"/>
               <a:pathLst>
-                <a:path h="3708400" w="4282440">
+                <a:path w="4282440" h="3708400">
                   <a:moveTo>
                     <a:pt x="3211830" y="0"/>
                   </a:moveTo>
@@ -3275,12 +3238,12 @@
       </p:grpSp>
       <p:grpSp>
         <p:nvGrpSpPr>
-          <p:cNvPr name="Group 6" id="6"/>
+          <p:cNvPr id="6" name="Group 6"/>
           <p:cNvGrpSpPr/>
           <p:nvPr/>
         </p:nvGrpSpPr>
         <p:grpSpPr>
-          <a:xfrm rot="0">
+          <a:xfrm>
             <a:off x="1028700" y="1028700"/>
             <a:ext cx="5339709" cy="564302"/>
             <a:chOff x="0" y="0"/>
@@ -3289,12 +3252,12 @@
         </p:grpSpPr>
         <p:sp>
           <p:nvSpPr>
-            <p:cNvPr name="TextBox 7" id="7"/>
-            <p:cNvSpPr txBox="true"/>
+            <p:cNvPr id="7" name="TextBox 7"/>
+            <p:cNvSpPr txBox="1"/>
             <p:nvPr/>
           </p:nvSpPr>
           <p:spPr>
-            <a:xfrm rot="0">
+            <a:xfrm>
               <a:off x="1711549" y="14810"/>
               <a:ext cx="5408063" cy="729635"/>
             </a:xfrm>
@@ -3303,7 +3266,7 @@
             </a:prstGeom>
           </p:spPr>
           <p:txBody>
-            <a:bodyPr anchor="t" rtlCol="false" tIns="0" lIns="0" bIns="0" rIns="0">
+            <a:bodyPr lIns="0" tIns="0" rIns="0" bIns="0" rtlCol="0" anchor="t">
               <a:spAutoFit/>
             </a:bodyPr>
             <a:lstStyle/>
@@ -3330,30 +3293,30 @@
         </p:sp>
         <p:pic>
           <p:nvPicPr>
-            <p:cNvPr name="Picture 8" id="8"/>
+            <p:cNvPr id="8" name="Picture 8"/>
             <p:cNvPicPr>
-              <a:picLocks noChangeAspect="true"/>
+              <a:picLocks noChangeAspect="1"/>
             </p:cNvPicPr>
             <p:nvPr/>
           </p:nvPicPr>
           <p:blipFill>
-            <a:blip r:embed="rId2">
+            <a:blip r:embed="rId4" cstate="print">
               <a:extLst>
                 <a:ext uri="{28A0092B-C50C-407E-A947-70E740481C1C}">
-                  <a14:useLocalDpi xmlns:a14="http://schemas.microsoft.com/office/drawing/2010/main" val="0"/>
+                  <a14:useLocalDpi xmlns:a14="http://schemas.microsoft.com/office/drawing/2010/main" xmlns="" val="0"/>
                 </a:ext>
                 <a:ext uri="{96DAC541-7B7A-43D3-8B79-37D633B846F1}">
-                  <asvg:svgBlip xmlns:asvg="http://schemas.microsoft.com/office/drawing/2016/SVG/main" r:embed="rId3"/>
+                  <asvg:svgBlip xmlns:asvg="http://schemas.microsoft.com/office/drawing/2016/SVG/main" xmlns="" r:embed="rId3"/>
                 </a:ext>
               </a:extLst>
             </a:blip>
-            <a:srcRect l="0" t="34026" r="0" b="0"/>
+            <a:srcRect t="34026"/>
             <a:stretch>
               <a:fillRect/>
             </a:stretch>
           </p:blipFill>
           <p:spPr>
-            <a:xfrm flipH="false" flipV="false" rot="0">
+            <a:xfrm>
               <a:off x="0" y="0"/>
               <a:ext cx="1317768" cy="752402"/>
             </a:xfrm>
@@ -3365,31 +3328,31 @@
       </p:grpSp>
       <p:pic>
         <p:nvPicPr>
-          <p:cNvPr name="Picture 9" id="9"/>
+          <p:cNvPr id="9" name="Picture 9"/>
           <p:cNvPicPr>
-            <a:picLocks noChangeAspect="true"/>
+            <a:picLocks noChangeAspect="1"/>
           </p:cNvPicPr>
           <p:nvPr/>
         </p:nvPicPr>
         <p:blipFill>
-          <a:blip r:embed="rId4">
+          <a:blip r:embed="rId5">
             <a:alphaModFix amt="67000"/>
             <a:extLst>
               <a:ext uri="{28A0092B-C50C-407E-A947-70E740481C1C}">
-                <a14:useLocalDpi xmlns:a14="http://schemas.microsoft.com/office/drawing/2010/main" val="0"/>
+                <a14:useLocalDpi xmlns:a14="http://schemas.microsoft.com/office/drawing/2010/main" xmlns="" val="0"/>
               </a:ext>
               <a:ext uri="{96DAC541-7B7A-43D3-8B79-37D633B846F1}">
-                <asvg:svgBlip xmlns:asvg="http://schemas.microsoft.com/office/drawing/2016/SVG/main" r:embed="rId5"/>
+                <asvg:svgBlip xmlns:asvg="http://schemas.microsoft.com/office/drawing/2016/SVG/main" xmlns="" r:embed="rId6"/>
               </a:ext>
             </a:extLst>
           </a:blip>
-          <a:srcRect l="0" t="0" r="0" b="0"/>
+          <a:srcRect/>
           <a:stretch>
             <a:fillRect/>
           </a:stretch>
         </p:blipFill>
         <p:spPr>
-          <a:xfrm flipH="false" flipV="false" rot="-3574282">
+          <a:xfrm rot="-3574282">
             <a:off x="14277442" y="4106981"/>
             <a:ext cx="1842788" cy="3238126"/>
           </a:xfrm>
@@ -3400,30 +3363,30 @@
       </p:pic>
       <p:pic>
         <p:nvPicPr>
-          <p:cNvPr name="Picture 10" id="10"/>
+          <p:cNvPr id="10" name="Picture 10"/>
           <p:cNvPicPr>
-            <a:picLocks noChangeAspect="true"/>
+            <a:picLocks noChangeAspect="1"/>
           </p:cNvPicPr>
           <p:nvPr/>
         </p:nvPicPr>
         <p:blipFill>
-          <a:blip r:embed="rId6">
+          <a:blip r:embed="rId7">
             <a:extLst>
               <a:ext uri="{28A0092B-C50C-407E-A947-70E740481C1C}">
-                <a14:useLocalDpi xmlns:a14="http://schemas.microsoft.com/office/drawing/2010/main" val="0"/>
+                <a14:useLocalDpi xmlns:a14="http://schemas.microsoft.com/office/drawing/2010/main" xmlns="" val="0"/>
               </a:ext>
               <a:ext uri="{96DAC541-7B7A-43D3-8B79-37D633B846F1}">
-                <asvg:svgBlip xmlns:asvg="http://schemas.microsoft.com/office/drawing/2016/SVG/main" r:embed="rId7"/>
+                <asvg:svgBlip xmlns:asvg="http://schemas.microsoft.com/office/drawing/2016/SVG/main" xmlns="" r:embed="rId8"/>
               </a:ext>
             </a:extLst>
           </a:blip>
-          <a:srcRect l="0" t="0" r="0" b="0"/>
+          <a:srcRect/>
           <a:stretch>
             <a:fillRect/>
           </a:stretch>
         </p:blipFill>
         <p:spPr>
-          <a:xfrm flipH="false" flipV="false" rot="0">
+          <a:xfrm>
             <a:off x="12209362" y="3259662"/>
             <a:ext cx="1618626" cy="1545052"/>
           </a:xfrm>
@@ -3434,12 +3397,12 @@
       </p:pic>
       <p:sp>
         <p:nvSpPr>
-          <p:cNvPr name="TextBox 11" id="11"/>
-          <p:cNvSpPr txBox="true"/>
+          <p:cNvPr id="11" name="TextBox 11"/>
+          <p:cNvSpPr txBox="1"/>
           <p:nvPr/>
         </p:nvSpPr>
         <p:spPr>
-          <a:xfrm rot="0">
+          <a:xfrm>
             <a:off x="1028700" y="3098800"/>
             <a:ext cx="8573599" cy="4194175"/>
           </a:xfrm>
@@ -3448,12 +3411,12 @@
           </a:prstGeom>
         </p:spPr>
         <p:txBody>
-          <a:bodyPr anchor="t" rtlCol="false" tIns="0" lIns="0" bIns="0" rIns="0">
+          <a:bodyPr lIns="0" tIns="0" rIns="0" bIns="0" rtlCol="0" anchor="t">
             <a:spAutoFit/>
           </a:bodyPr>
           <a:lstStyle/>
           <a:p>
-            <a:pPr marL="0" indent="0" lvl="0">
+            <a:pPr marL="0" lvl="0" indent="0">
               <a:lnSpc>
                 <a:spcPts val="10999"/>
               </a:lnSpc>
@@ -3472,12 +3435,12 @@
       </p:sp>
       <p:sp>
         <p:nvSpPr>
-          <p:cNvPr name="TextBox 12" id="12"/>
-          <p:cNvSpPr txBox="true"/>
+          <p:cNvPr id="12" name="TextBox 12"/>
+          <p:cNvSpPr txBox="1"/>
           <p:nvPr/>
         </p:nvSpPr>
         <p:spPr>
-          <a:xfrm rot="0">
+          <a:xfrm>
             <a:off x="1028700" y="8752205"/>
             <a:ext cx="7783581" cy="483446"/>
           </a:xfrm>
@@ -3486,12 +3449,12 @@
           </a:prstGeom>
         </p:spPr>
         <p:txBody>
-          <a:bodyPr anchor="t" rtlCol="false" tIns="0" lIns="0" bIns="0" rIns="0">
+          <a:bodyPr lIns="0" tIns="0" rIns="0" bIns="0" rtlCol="0" anchor="t">
             <a:spAutoFit/>
           </a:bodyPr>
           <a:lstStyle/>
           <a:p>
-            <a:pPr marL="0" indent="0" lvl="0">
+            <a:pPr marL="0" lvl="0" indent="0">
               <a:lnSpc>
                 <a:spcPts val="3920"/>
               </a:lnSpc>
@@ -3516,11 +3479,18 @@
   <p:clrMapOvr>
     <a:masterClrMapping/>
   </p:clrMapOvr>
+  <p:timing>
+    <p:tnLst>
+      <p:par>
+        <p:cTn id="1" dur="indefinite" restart="never" nodeType="tmRoot"/>
+      </p:par>
+    </p:tnLst>
+  </p:timing>
 </p:sld>
 </file>
 
 <file path=ppt/slides/slide10.xml><?xml version="1.0" encoding="utf-8"?>
-<p:sld xmlns:p="http://schemas.openxmlformats.org/presentationml/2006/main" xmlns:a="http://schemas.openxmlformats.org/drawingml/2006/main">
+<p:sld xmlns:a="http://schemas.openxmlformats.org/drawingml/2006/main" xmlns:r="http://schemas.openxmlformats.org/officeDocument/2006/relationships" xmlns:p="http://schemas.openxmlformats.org/presentationml/2006/main">
   <p:cSld>
     <p:spTree>
       <p:nvGrpSpPr>
@@ -3538,7 +3508,7 @@
       </p:grpSpPr>
       <p:grpSp>
         <p:nvGrpSpPr>
-          <p:cNvPr name="Group 2" id="2"/>
+          <p:cNvPr id="2" name="Group 2"/>
           <p:cNvGrpSpPr/>
           <p:nvPr/>
         </p:nvGrpSpPr>
@@ -3552,7 +3522,7 @@
         </p:grpSpPr>
         <p:sp>
           <p:nvSpPr>
-            <p:cNvPr name="Freeform 3" id="3"/>
+            <p:cNvPr id="3" name="Freeform 3"/>
             <p:cNvSpPr/>
             <p:nvPr/>
           </p:nvSpPr>
@@ -3566,9 +3536,9 @@
               <a:gdLst/>
               <a:ahLst/>
               <a:cxnLst/>
-              <a:rect r="r" b="b" t="t" l="l"/>
+              <a:rect l="l" t="t" r="r" b="b"/>
               <a:pathLst>
-                <a:path h="5372100" w="8474859">
+                <a:path w="8474859" h="5372100">
                   <a:moveTo>
                     <a:pt x="6924189" y="0"/>
                   </a:moveTo>
@@ -3602,12 +3572,12 @@
       </p:grpSp>
       <p:sp>
         <p:nvSpPr>
-          <p:cNvPr name="TextBox 4" id="4"/>
-          <p:cNvSpPr txBox="true"/>
+          <p:cNvPr id="4" name="TextBox 4"/>
+          <p:cNvSpPr txBox="1"/>
           <p:nvPr/>
         </p:nvSpPr>
         <p:spPr>
-          <a:xfrm rot="0">
+          <a:xfrm>
             <a:off x="1028700" y="971550"/>
             <a:ext cx="16230600" cy="7712501"/>
           </a:xfrm>
@@ -3616,12 +3586,12 @@
           </a:prstGeom>
         </p:spPr>
         <p:txBody>
-          <a:bodyPr anchor="t" rtlCol="false" tIns="0" lIns="0" bIns="0" rIns="0">
+          <a:bodyPr lIns="0" tIns="0" rIns="0" bIns="0" rtlCol="0" anchor="t">
             <a:spAutoFit/>
           </a:bodyPr>
           <a:lstStyle/>
           <a:p>
-            <a:pPr marL="1014731" indent="-507365" lvl="1">
+            <a:pPr marL="1014731" lvl="1" indent="-507365">
               <a:lnSpc>
                 <a:spcPts val="6110"/>
               </a:lnSpc>
@@ -3639,7 +3609,7 @@
             </a:r>
           </a:p>
           <a:p>
-            <a:pPr marL="1014731" indent="-507365" lvl="1">
+            <a:pPr marL="1014731" lvl="1" indent="-507365">
               <a:lnSpc>
                 <a:spcPts val="6110"/>
               </a:lnSpc>
@@ -3657,7 +3627,7 @@
             </a:r>
           </a:p>
           <a:p>
-            <a:pPr marL="1014731" indent="-507365" lvl="1">
+            <a:pPr marL="1014731" lvl="1" indent="-507365">
               <a:lnSpc>
                 <a:spcPts val="6110"/>
               </a:lnSpc>
@@ -3675,7 +3645,7 @@
             </a:r>
           </a:p>
           <a:p>
-            <a:pPr marL="1014731" indent="-507365" lvl="1">
+            <a:pPr marL="1014731" lvl="1" indent="-507365">
               <a:lnSpc>
                 <a:spcPts val="6110"/>
               </a:lnSpc>
@@ -3693,7 +3663,7 @@
             </a:r>
           </a:p>
           <a:p>
-            <a:pPr marL="1014731" indent="-507365" lvl="1">
+            <a:pPr marL="1014731" lvl="1" indent="-507365">
               <a:lnSpc>
                 <a:spcPts val="6110"/>
               </a:lnSpc>
@@ -3711,7 +3681,7 @@
             </a:r>
           </a:p>
           <a:p>
-            <a:pPr marL="1014731" indent="-507365" lvl="1">
+            <a:pPr marL="1014731" lvl="1" indent="-507365">
               <a:lnSpc>
                 <a:spcPts val="6110"/>
               </a:lnSpc>
@@ -3729,7 +3699,7 @@
             </a:r>
           </a:p>
           <a:p>
-            <a:pPr marL="1014731" indent="-507365" lvl="1">
+            <a:pPr marL="1014731" lvl="1" indent="-507365">
               <a:lnSpc>
                 <a:spcPts val="6110"/>
               </a:lnSpc>
@@ -3747,7 +3717,7 @@
             </a:r>
           </a:p>
           <a:p>
-            <a:pPr marL="1014731" indent="-507365" lvl="1">
+            <a:pPr marL="1014731" lvl="1" indent="-507365">
               <a:lnSpc>
                 <a:spcPts val="6110"/>
               </a:lnSpc>
@@ -3765,7 +3735,7 @@
             </a:r>
           </a:p>
           <a:p>
-            <a:pPr marL="1014731" indent="-507365" lvl="1">
+            <a:pPr marL="1014731" lvl="1" indent="-507365">
               <a:lnSpc>
                 <a:spcPts val="6110"/>
               </a:lnSpc>
@@ -3793,7 +3763,7 @@
 </file>
 
 <file path=ppt/slides/slide11.xml><?xml version="1.0" encoding="utf-8"?>
-<p:sld xmlns:p="http://schemas.openxmlformats.org/presentationml/2006/main" xmlns:a="http://schemas.openxmlformats.org/drawingml/2006/main" xmlns:r="http://schemas.openxmlformats.org/officeDocument/2006/relationships">
+<p:sld xmlns:a="http://schemas.openxmlformats.org/drawingml/2006/main" xmlns:r="http://schemas.openxmlformats.org/officeDocument/2006/relationships" xmlns:p="http://schemas.openxmlformats.org/presentationml/2006/main">
   <p:cSld>
     <p:spTree>
       <p:nvGrpSpPr>
@@ -3811,7 +3781,7 @@
       </p:grpSpPr>
       <p:grpSp>
         <p:nvGrpSpPr>
-          <p:cNvPr name="Group 2" id="2"/>
+          <p:cNvPr id="2" name="Group 2"/>
           <p:cNvGrpSpPr/>
           <p:nvPr/>
         </p:nvGrpSpPr>
@@ -3825,7 +3795,7 @@
         </p:grpSpPr>
         <p:sp>
           <p:nvSpPr>
-            <p:cNvPr name="Freeform 3" id="3"/>
+            <p:cNvPr id="3" name="Freeform 3"/>
             <p:cNvSpPr/>
             <p:nvPr/>
           </p:nvSpPr>
@@ -3839,9 +3809,9 @@
               <a:gdLst/>
               <a:ahLst/>
               <a:cxnLst/>
-              <a:rect r="r" b="b" t="t" l="l"/>
+              <a:rect l="l" t="t" r="r" b="b"/>
               <a:pathLst>
-                <a:path h="5372100" w="8474859">
+                <a:path w="8474859" h="5372100">
                   <a:moveTo>
                     <a:pt x="6924189" y="0"/>
                   </a:moveTo>
@@ -3875,60 +3845,21 @@
       </p:grpSp>
       <p:sp>
         <p:nvSpPr>
-          <p:cNvPr name="TextBox 4" id="4"/>
-          <p:cNvSpPr txBox="true"/>
+          <p:cNvPr id="5" name="TextBox 5"/>
+          <p:cNvSpPr txBox="1"/>
           <p:nvPr/>
         </p:nvSpPr>
         <p:spPr>
-          <a:xfrm rot="0">
-            <a:off x="1028700" y="9416278"/>
-            <a:ext cx="4401730" cy="255905"/>
+          <a:xfrm>
+            <a:off x="6324601" y="365125"/>
+            <a:ext cx="5562599" cy="1256754"/>
           </a:xfrm>
           <a:prstGeom prst="rect">
             <a:avLst/>
           </a:prstGeom>
         </p:spPr>
         <p:txBody>
-          <a:bodyPr anchor="t" rtlCol="false" tIns="0" lIns="0" bIns="0" rIns="0">
-            <a:spAutoFit/>
-          </a:bodyPr>
-          <a:lstStyle/>
-          <a:p>
-            <a:pPr>
-              <a:lnSpc>
-                <a:spcPts val="2079"/>
-              </a:lnSpc>
-            </a:pPr>
-            <a:r>
-              <a:rPr lang="en-US" sz="1599" spc="15" u="sng">
-                <a:solidFill>
-                  <a:srgbClr val="FFFFFF"/>
-                </a:solidFill>
-                <a:latin typeface="Fira Sans Light"/>
-                <a:hlinkClick r:id="rId2" action="ppaction://hlinksldjump"/>
-              </a:rPr>
-              <a:t>Back to Lean Canvas Overview</a:t>
-            </a:r>
-          </a:p>
-        </p:txBody>
-      </p:sp>
-      <p:sp>
-        <p:nvSpPr>
-          <p:cNvPr name="TextBox 5" id="5"/>
-          <p:cNvSpPr txBox="true"/>
-          <p:nvPr/>
-        </p:nvSpPr>
-        <p:spPr>
-          <a:xfrm rot="0">
-            <a:off x="6532301" y="365125"/>
-            <a:ext cx="5223397" cy="1193800"/>
-          </a:xfrm>
-          <a:prstGeom prst="rect">
-            <a:avLst/>
-          </a:prstGeom>
-        </p:spPr>
-        <p:txBody>
-          <a:bodyPr anchor="t" rtlCol="false" tIns="0" lIns="0" bIns="0" rIns="0">
+          <a:bodyPr wrap="square" lIns="0" tIns="0" rIns="0" bIns="0" rtlCol="0" anchor="t">
             <a:spAutoFit/>
           </a:bodyPr>
           <a:lstStyle/>
@@ -3942,25 +3873,34 @@
               </a:spcBef>
             </a:pPr>
             <a:r>
-              <a:rPr lang="en-US" sz="6999" spc="34">
+              <a:rPr lang="en-US" sz="6999" spc="34" dirty="0" smtClean="0">
                 <a:solidFill>
                   <a:srgbClr val="000000"/>
                 </a:solidFill>
                 <a:latin typeface="Times Neue Roman"/>
               </a:rPr>
-              <a:t>Tesiting Tools</a:t>
-            </a:r>
-          </a:p>
-        </p:txBody>
-      </p:sp>
-      <p:sp>
-        <p:nvSpPr>
-          <p:cNvPr name="TextBox 6" id="6"/>
-          <p:cNvSpPr txBox="true"/>
+              <a:t>Testing </a:t>
+            </a:r>
+            <a:r>
+              <a:rPr lang="en-US" sz="6999" spc="34" dirty="0">
+                <a:solidFill>
+                  <a:srgbClr val="000000"/>
+                </a:solidFill>
+                <a:latin typeface="Times Neue Roman"/>
+              </a:rPr>
+              <a:t>Tools</a:t>
+            </a:r>
+          </a:p>
+        </p:txBody>
+      </p:sp>
+      <p:sp>
+        <p:nvSpPr>
+          <p:cNvPr id="6" name="TextBox 6"/>
+          <p:cNvSpPr txBox="1"/>
           <p:nvPr/>
         </p:nvSpPr>
         <p:spPr>
-          <a:xfrm rot="0">
+          <a:xfrm>
             <a:off x="1028700" y="2113183"/>
             <a:ext cx="16230600" cy="4626485"/>
           </a:xfrm>
@@ -3969,12 +3909,12 @@
           </a:prstGeom>
         </p:spPr>
         <p:txBody>
-          <a:bodyPr anchor="t" rtlCol="false" tIns="0" lIns="0" bIns="0" rIns="0">
+          <a:bodyPr lIns="0" tIns="0" rIns="0" bIns="0" rtlCol="0" anchor="t">
             <a:spAutoFit/>
           </a:bodyPr>
           <a:lstStyle/>
           <a:p>
-            <a:pPr marL="1014731" indent="-507365" lvl="1">
+            <a:pPr marL="1014731" lvl="1" indent="-507365">
               <a:lnSpc>
                 <a:spcPts val="6110"/>
               </a:lnSpc>
@@ -3982,7 +3922,7 @@
               <a:buChar char="•"/>
             </a:pPr>
             <a:r>
-              <a:rPr lang="en-US" sz="4700" spc="47">
+              <a:rPr lang="en-US" sz="4700" spc="47" dirty="0">
                 <a:solidFill>
                   <a:srgbClr val="000000"/>
                 </a:solidFill>
@@ -3992,7 +3932,7 @@
             </a:r>
           </a:p>
           <a:p>
-            <a:pPr marL="1014731" indent="-507365" lvl="1">
+            <a:pPr marL="1014731" lvl="1" indent="-507365">
               <a:lnSpc>
                 <a:spcPts val="6110"/>
               </a:lnSpc>
@@ -4000,7 +3940,7 @@
               <a:buChar char="•"/>
             </a:pPr>
             <a:r>
-              <a:rPr lang="en-US" sz="4700" spc="47">
+              <a:rPr lang="en-US" sz="4700" spc="47" dirty="0">
                 <a:solidFill>
                   <a:srgbClr val="000000"/>
                 </a:solidFill>
@@ -4010,7 +3950,7 @@
             </a:r>
           </a:p>
           <a:p>
-            <a:pPr marL="1014731" indent="-507365" lvl="1">
+            <a:pPr marL="1014731" lvl="1" indent="-507365">
               <a:lnSpc>
                 <a:spcPts val="6110"/>
               </a:lnSpc>
@@ -4018,7 +3958,7 @@
               <a:buChar char="•"/>
             </a:pPr>
             <a:r>
-              <a:rPr lang="en-US" sz="4700" spc="47">
+              <a:rPr lang="en-US" sz="4700" spc="47" dirty="0">
                 <a:solidFill>
                   <a:srgbClr val="000000"/>
                 </a:solidFill>
@@ -4028,7 +3968,7 @@
             </a:r>
           </a:p>
           <a:p>
-            <a:pPr marL="1014731" indent="-507365" lvl="1">
+            <a:pPr marL="1014731" lvl="1" indent="-507365">
               <a:lnSpc>
                 <a:spcPts val="6110"/>
               </a:lnSpc>
@@ -4036,7 +3976,7 @@
               <a:buChar char="•"/>
             </a:pPr>
             <a:r>
-              <a:rPr lang="en-US" sz="4700" spc="47">
+              <a:rPr lang="en-US" sz="4700" spc="47" dirty="0" err="1">
                 <a:solidFill>
                   <a:srgbClr val="000000"/>
                 </a:solidFill>
@@ -4044,9 +3984,15 @@
               </a:rPr>
               <a:t>Monitor.us</a:t>
             </a:r>
-          </a:p>
-          <a:p>
-            <a:pPr marL="1014731" indent="-507365" lvl="1">
+            <a:endParaRPr lang="en-US" sz="4700" spc="47" dirty="0">
+              <a:solidFill>
+                <a:srgbClr val="000000"/>
+              </a:solidFill>
+              <a:latin typeface="Fira Sans Light"/>
+            </a:endParaRPr>
+          </a:p>
+          <a:p>
+            <a:pPr marL="1014731" lvl="1" indent="-507365">
               <a:lnSpc>
                 <a:spcPts val="6110"/>
               </a:lnSpc>
@@ -4054,7 +4000,7 @@
               <a:buChar char="•"/>
             </a:pPr>
             <a:r>
-              <a:rPr lang="en-US" sz="4700" spc="47">
+              <a:rPr lang="en-US" sz="4700" spc="47" dirty="0">
                 <a:solidFill>
                   <a:srgbClr val="000000"/>
                 </a:solidFill>
@@ -4064,7 +4010,7 @@
             </a:r>
           </a:p>
           <a:p>
-            <a:pPr marL="1014731" indent="-507365" lvl="1">
+            <a:pPr marL="1014731" lvl="1" indent="-507365">
               <a:lnSpc>
                 <a:spcPts val="6110"/>
               </a:lnSpc>
@@ -4072,7 +4018,7 @@
               <a:buChar char="•"/>
             </a:pPr>
             <a:r>
-              <a:rPr lang="en-US" sz="4700" spc="47">
+              <a:rPr lang="en-US" sz="4700" spc="47" dirty="0" err="1">
                 <a:solidFill>
                   <a:srgbClr val="000000"/>
                 </a:solidFill>
@@ -4080,6 +4026,12 @@
               </a:rPr>
               <a:t>HotJar</a:t>
             </a:r>
+            <a:endParaRPr lang="en-US" sz="4700" spc="47" dirty="0">
+              <a:solidFill>
+                <a:srgbClr val="000000"/>
+              </a:solidFill>
+              <a:latin typeface="Fira Sans Light"/>
+            </a:endParaRPr>
           </a:p>
         </p:txBody>
       </p:sp>
@@ -4092,7 +4044,7 @@
 </file>
 
 <file path=ppt/slides/slide12.xml><?xml version="1.0" encoding="utf-8"?>
-<p:sld xmlns:p="http://schemas.openxmlformats.org/presentationml/2006/main" xmlns:a="http://schemas.openxmlformats.org/drawingml/2006/main">
+<p:sld xmlns:a="http://schemas.openxmlformats.org/drawingml/2006/main" xmlns:r="http://schemas.openxmlformats.org/officeDocument/2006/relationships" xmlns:p="http://schemas.openxmlformats.org/presentationml/2006/main">
   <p:cSld>
     <p:spTree>
       <p:nvGrpSpPr>
@@ -4110,7 +4062,7 @@
       </p:grpSpPr>
       <p:grpSp>
         <p:nvGrpSpPr>
-          <p:cNvPr name="Group 2" id="2"/>
+          <p:cNvPr id="2" name="Group 2"/>
           <p:cNvGrpSpPr/>
           <p:nvPr/>
         </p:nvGrpSpPr>
@@ -4124,7 +4076,7 @@
         </p:grpSpPr>
         <p:sp>
           <p:nvSpPr>
-            <p:cNvPr name="Freeform 3" id="3"/>
+            <p:cNvPr id="3" name="Freeform 3"/>
             <p:cNvSpPr/>
             <p:nvPr/>
           </p:nvSpPr>
@@ -4138,9 +4090,9 @@
               <a:gdLst/>
               <a:ahLst/>
               <a:cxnLst/>
-              <a:rect r="r" b="b" t="t" l="l"/>
+              <a:rect l="l" t="t" r="r" b="b"/>
               <a:pathLst>
-                <a:path h="5372100" w="8474859">
+                <a:path w="8474859" h="5372100">
                   <a:moveTo>
                     <a:pt x="6924189" y="0"/>
                   </a:moveTo>
@@ -4174,12 +4126,12 @@
       </p:grpSp>
       <p:sp>
         <p:nvSpPr>
-          <p:cNvPr name="TextBox 4" id="4"/>
-          <p:cNvSpPr txBox="true"/>
+          <p:cNvPr id="4" name="TextBox 4"/>
+          <p:cNvSpPr txBox="1"/>
           <p:nvPr/>
         </p:nvSpPr>
         <p:spPr>
-          <a:xfrm rot="0">
+          <a:xfrm>
             <a:off x="1297781" y="365125"/>
             <a:ext cx="15692438" cy="1193800"/>
           </a:xfrm>
@@ -4188,7 +4140,7 @@
           </a:prstGeom>
         </p:spPr>
         <p:txBody>
-          <a:bodyPr anchor="t" rtlCol="false" tIns="0" lIns="0" bIns="0" rIns="0">
+          <a:bodyPr lIns="0" tIns="0" rIns="0" bIns="0" rtlCol="0" anchor="t">
             <a:spAutoFit/>
           </a:bodyPr>
           <a:lstStyle/>
@@ -4222,7 +4174,7 @@
 </file>
 
 <file path=ppt/slides/slide13.xml><?xml version="1.0" encoding="utf-8"?>
-<p:sld xmlns:p="http://schemas.openxmlformats.org/presentationml/2006/main" xmlns:a="http://schemas.openxmlformats.org/drawingml/2006/main">
+<p:sld xmlns:a="http://schemas.openxmlformats.org/drawingml/2006/main" xmlns:r="http://schemas.openxmlformats.org/officeDocument/2006/relationships" xmlns:p="http://schemas.openxmlformats.org/presentationml/2006/main">
   <p:cSld>
     <p:spTree>
       <p:nvGrpSpPr>
@@ -4240,7 +4192,7 @@
       </p:grpSpPr>
       <p:grpSp>
         <p:nvGrpSpPr>
-          <p:cNvPr name="Group 2" id="2"/>
+          <p:cNvPr id="2" name="Group 2"/>
           <p:cNvGrpSpPr/>
           <p:nvPr/>
         </p:nvGrpSpPr>
@@ -4254,7 +4206,7 @@
         </p:grpSpPr>
         <p:sp>
           <p:nvSpPr>
-            <p:cNvPr name="Freeform 3" id="3"/>
+            <p:cNvPr id="3" name="Freeform 3"/>
             <p:cNvSpPr/>
             <p:nvPr/>
           </p:nvSpPr>
@@ -4268,9 +4220,9 @@
               <a:gdLst/>
               <a:ahLst/>
               <a:cxnLst/>
-              <a:rect r="r" b="b" t="t" l="l"/>
+              <a:rect l="l" t="t" r="r" b="b"/>
               <a:pathLst>
-                <a:path h="5372100" w="8474859">
+                <a:path w="8474859" h="5372100">
                   <a:moveTo>
                     <a:pt x="6924189" y="0"/>
                   </a:moveTo>
@@ -4304,21 +4256,21 @@
       </p:grpSp>
       <p:sp>
         <p:nvSpPr>
-          <p:cNvPr name="TextBox 4" id="4"/>
-          <p:cNvSpPr txBox="true"/>
+          <p:cNvPr id="4" name="TextBox 4"/>
+          <p:cNvSpPr txBox="1"/>
           <p:nvPr/>
         </p:nvSpPr>
         <p:spPr>
-          <a:xfrm rot="0">
-            <a:off x="7096752" y="365125"/>
-            <a:ext cx="4094497" cy="1193800"/>
+          <a:xfrm>
+            <a:off x="6400800" y="365125"/>
+            <a:ext cx="4790449" cy="1256754"/>
           </a:xfrm>
           <a:prstGeom prst="rect">
             <a:avLst/>
           </a:prstGeom>
         </p:spPr>
         <p:txBody>
-          <a:bodyPr anchor="t" rtlCol="false" tIns="0" lIns="0" bIns="0" rIns="0">
+          <a:bodyPr wrap="square" lIns="0" tIns="0" rIns="0" bIns="0" rtlCol="0" anchor="t">
             <a:spAutoFit/>
           </a:bodyPr>
           <a:lstStyle/>
@@ -4332,7 +4284,7 @@
               </a:spcBef>
             </a:pPr>
             <a:r>
-              <a:rPr lang="en-US" sz="6999" spc="34">
+              <a:rPr lang="en-US" sz="6999" spc="34" dirty="0">
                 <a:solidFill>
                   <a:srgbClr val="000000"/>
                 </a:solidFill>
@@ -4340,6 +4292,36 @@
               </a:rPr>
               <a:t>Conclusion</a:t>
             </a:r>
+          </a:p>
+        </p:txBody>
+      </p:sp>
+      <p:sp>
+        <p:nvSpPr>
+          <p:cNvPr id="5" name="TextBox 4"/>
+          <p:cNvSpPr txBox="1"/>
+          <p:nvPr/>
+        </p:nvSpPr>
+        <p:spPr>
+          <a:xfrm>
+            <a:off x="1371600" y="1866900"/>
+            <a:ext cx="15849600" cy="1508105"/>
+          </a:xfrm>
+          <a:prstGeom prst="rect">
+            <a:avLst/>
+          </a:prstGeom>
+          <a:noFill/>
+        </p:spPr>
+        <p:txBody>
+          <a:bodyPr wrap="square" rtlCol="0">
+            <a:spAutoFit/>
+          </a:bodyPr>
+          <a:lstStyle/>
+          <a:p>
+            <a:r>
+              <a:rPr lang="en-US" sz="4600" dirty="0" smtClean="0"/>
+              <a:t>As a result of this it will consume less time and give better user experience.</a:t>
+            </a:r>
+            <a:endParaRPr lang="en-US" sz="4600" dirty="0"/>
           </a:p>
         </p:txBody>
       </p:sp>
@@ -4352,7 +4334,7 @@
 </file>
 
 <file path=ppt/slides/slide2.xml><?xml version="1.0" encoding="utf-8"?>
-<p:sld xmlns:p="http://schemas.openxmlformats.org/presentationml/2006/main" xmlns:a="http://schemas.openxmlformats.org/drawingml/2006/main" xmlns:r="http://schemas.openxmlformats.org/officeDocument/2006/relationships">
+<p:sld xmlns:a="http://schemas.openxmlformats.org/drawingml/2006/main" xmlns:r="http://schemas.openxmlformats.org/officeDocument/2006/relationships" xmlns:p="http://schemas.openxmlformats.org/presentationml/2006/main">
   <p:cSld>
     <p:spTree>
       <p:nvGrpSpPr>
@@ -4370,7 +4352,7 @@
       </p:grpSpPr>
       <p:sp>
         <p:nvSpPr>
-          <p:cNvPr name="AutoShape 2" id="2"/>
+          <p:cNvPr id="2" name="AutoShape 2"/>
           <p:cNvSpPr/>
           <p:nvPr/>
         </p:nvSpPr>
@@ -4382,24 +4364,24 @@
           <a:prstGeom prst="line">
             <a:avLst/>
           </a:prstGeom>
-          <a:ln cap="rnd" w="76200">
+          <a:ln w="76200" cap="rnd">
             <a:solidFill>
               <a:srgbClr val="86C7ED"/>
             </a:solidFill>
             <a:prstDash val="sysDot"/>
-            <a:headEnd type="none" len="sm" w="sm"/>
-            <a:tailEnd type="none" len="sm" w="sm"/>
+            <a:headEnd type="none" w="sm" len="sm"/>
+            <a:tailEnd type="none" w="sm" len="sm"/>
           </a:ln>
         </p:spPr>
       </p:sp>
       <p:sp>
         <p:nvSpPr>
-          <p:cNvPr name="TextBox 3" id="3"/>
-          <p:cNvSpPr txBox="true"/>
+          <p:cNvPr id="3" name="TextBox 3"/>
+          <p:cNvSpPr txBox="1"/>
           <p:nvPr/>
         </p:nvSpPr>
         <p:spPr>
-          <a:xfrm rot="0">
+          <a:xfrm>
             <a:off x="6021617" y="348199"/>
             <a:ext cx="11243177" cy="655312"/>
           </a:xfrm>
@@ -4408,12 +4390,12 @@
           </a:prstGeom>
         </p:spPr>
         <p:txBody>
-          <a:bodyPr anchor="t" rtlCol="false" tIns="0" lIns="0" bIns="0" rIns="0">
+          <a:bodyPr lIns="0" tIns="0" rIns="0" bIns="0" rtlCol="0" anchor="t">
             <a:spAutoFit/>
           </a:bodyPr>
           <a:lstStyle/>
           <a:p>
-            <a:pPr algn="l" marL="0" indent="0" lvl="1">
+            <a:pPr marL="0" lvl="1" indent="0" algn="l">
               <a:lnSpc>
                 <a:spcPts val="5354"/>
               </a:lnSpc>
@@ -4422,10 +4404,7 @@
               </a:spcBef>
             </a:pPr>
             <a:r>
-              <a:rPr lang="en-US" sz="3824" u="sng">
-                <a:solidFill>
-                  <a:srgbClr val="000000"/>
-                </a:solidFill>
+              <a:rPr lang="en-US" sz="3824" u="sng" dirty="0">
                 <a:latin typeface="Fira Sans Light Bold"/>
                 <a:hlinkClick r:id="rId2" action="ppaction://hlinksldjump"/>
               </a:rPr>
@@ -4436,7 +4415,7 @@
       </p:sp>
       <p:sp>
         <p:nvSpPr>
-          <p:cNvPr name="AutoShape 4" id="4"/>
+          <p:cNvPr id="4" name="AutoShape 4"/>
           <p:cNvSpPr/>
           <p:nvPr/>
         </p:nvSpPr>
@@ -4448,24 +4427,24 @@
           <a:prstGeom prst="line">
             <a:avLst/>
           </a:prstGeom>
-          <a:ln cap="rnd" w="76200">
+          <a:ln w="76200" cap="rnd">
             <a:solidFill>
               <a:srgbClr val="86C7ED"/>
             </a:solidFill>
             <a:prstDash val="sysDot"/>
-            <a:headEnd type="none" len="sm" w="sm"/>
-            <a:tailEnd type="none" len="sm" w="sm"/>
+            <a:headEnd type="none" w="sm" len="sm"/>
+            <a:tailEnd type="none" w="sm" len="sm"/>
           </a:ln>
         </p:spPr>
       </p:sp>
       <p:sp>
         <p:nvSpPr>
-          <p:cNvPr name="TextBox 5" id="5"/>
-          <p:cNvSpPr txBox="true"/>
+          <p:cNvPr id="5" name="TextBox 5"/>
+          <p:cNvSpPr txBox="1"/>
           <p:nvPr/>
         </p:nvSpPr>
         <p:spPr>
-          <a:xfrm rot="0">
+          <a:xfrm>
             <a:off x="6021617" y="1533652"/>
             <a:ext cx="11243177" cy="655312"/>
           </a:xfrm>
@@ -4474,12 +4453,12 @@
           </a:prstGeom>
         </p:spPr>
         <p:txBody>
-          <a:bodyPr anchor="t" rtlCol="false" tIns="0" lIns="0" bIns="0" rIns="0">
+          <a:bodyPr lIns="0" tIns="0" rIns="0" bIns="0" rtlCol="0" anchor="t">
             <a:spAutoFit/>
           </a:bodyPr>
           <a:lstStyle/>
           <a:p>
-            <a:pPr algn="l" marL="0" indent="0" lvl="1">
+            <a:pPr marL="0" lvl="1" indent="0" algn="l">
               <a:lnSpc>
                 <a:spcPts val="5354"/>
               </a:lnSpc>
@@ -4501,7 +4480,7 @@
       </p:sp>
       <p:sp>
         <p:nvSpPr>
-          <p:cNvPr name="AutoShape 6" id="6"/>
+          <p:cNvPr id="6" name="AutoShape 6"/>
           <p:cNvSpPr/>
           <p:nvPr/>
         </p:nvSpPr>
@@ -4513,24 +4492,24 @@
           <a:prstGeom prst="line">
             <a:avLst/>
           </a:prstGeom>
-          <a:ln cap="rnd" w="76200">
+          <a:ln w="76200" cap="rnd">
             <a:solidFill>
               <a:srgbClr val="86C7ED"/>
             </a:solidFill>
             <a:prstDash val="sysDot"/>
-            <a:headEnd type="none" len="sm" w="sm"/>
-            <a:tailEnd type="none" len="sm" w="sm"/>
+            <a:headEnd type="none" w="sm" len="sm"/>
+            <a:tailEnd type="none" w="sm" len="sm"/>
           </a:ln>
         </p:spPr>
       </p:sp>
       <p:sp>
         <p:nvSpPr>
-          <p:cNvPr name="TextBox 7" id="7"/>
-          <p:cNvSpPr txBox="true"/>
+          <p:cNvPr id="7" name="TextBox 7"/>
+          <p:cNvSpPr txBox="1"/>
           <p:nvPr/>
         </p:nvSpPr>
         <p:spPr>
-          <a:xfrm rot="0">
+          <a:xfrm>
             <a:off x="6021617" y="2719105"/>
             <a:ext cx="11243177" cy="655312"/>
           </a:xfrm>
@@ -4539,12 +4518,12 @@
           </a:prstGeom>
         </p:spPr>
         <p:txBody>
-          <a:bodyPr anchor="t" rtlCol="false" tIns="0" lIns="0" bIns="0" rIns="0">
+          <a:bodyPr lIns="0" tIns="0" rIns="0" bIns="0" rtlCol="0" anchor="t">
             <a:spAutoFit/>
           </a:bodyPr>
           <a:lstStyle/>
           <a:p>
-            <a:pPr algn="l" marL="0" indent="0" lvl="1">
+            <a:pPr marL="0" lvl="1" indent="0" algn="l">
               <a:lnSpc>
                 <a:spcPts val="5354"/>
               </a:lnSpc>
@@ -4566,7 +4545,7 @@
       </p:sp>
       <p:sp>
         <p:nvSpPr>
-          <p:cNvPr name="AutoShape 8" id="8"/>
+          <p:cNvPr id="8" name="AutoShape 8"/>
           <p:cNvSpPr/>
           <p:nvPr/>
         </p:nvSpPr>
@@ -4578,24 +4557,24 @@
           <a:prstGeom prst="line">
             <a:avLst/>
           </a:prstGeom>
-          <a:ln cap="rnd" w="76200">
+          <a:ln w="76200" cap="rnd">
             <a:solidFill>
               <a:srgbClr val="86C7ED"/>
             </a:solidFill>
             <a:prstDash val="sysDot"/>
-            <a:headEnd type="none" len="sm" w="sm"/>
-            <a:tailEnd type="none" len="sm" w="sm"/>
+            <a:headEnd type="none" w="sm" len="sm"/>
+            <a:tailEnd type="none" w="sm" len="sm"/>
           </a:ln>
         </p:spPr>
       </p:sp>
       <p:sp>
         <p:nvSpPr>
-          <p:cNvPr name="TextBox 9" id="9"/>
-          <p:cNvSpPr txBox="true"/>
+          <p:cNvPr id="9" name="TextBox 9"/>
+          <p:cNvSpPr txBox="1"/>
           <p:nvPr/>
         </p:nvSpPr>
         <p:spPr>
-          <a:xfrm rot="0">
+          <a:xfrm>
             <a:off x="6021617" y="3904557"/>
             <a:ext cx="11243177" cy="655312"/>
           </a:xfrm>
@@ -4604,12 +4583,12 @@
           </a:prstGeom>
         </p:spPr>
         <p:txBody>
-          <a:bodyPr anchor="t" rtlCol="false" tIns="0" lIns="0" bIns="0" rIns="0">
+          <a:bodyPr lIns="0" tIns="0" rIns="0" bIns="0" rtlCol="0" anchor="t">
             <a:spAutoFit/>
           </a:bodyPr>
           <a:lstStyle/>
           <a:p>
-            <a:pPr algn="l" marL="0" indent="0" lvl="1">
+            <a:pPr marL="0" lvl="1" indent="0" algn="l">
               <a:lnSpc>
                 <a:spcPts val="5354"/>
               </a:lnSpc>
@@ -4631,7 +4610,7 @@
       </p:sp>
       <p:sp>
         <p:nvSpPr>
-          <p:cNvPr name="AutoShape 10" id="10"/>
+          <p:cNvPr id="10" name="AutoShape 10"/>
           <p:cNvSpPr/>
           <p:nvPr/>
         </p:nvSpPr>
@@ -4643,24 +4622,24 @@
           <a:prstGeom prst="line">
             <a:avLst/>
           </a:prstGeom>
-          <a:ln cap="rnd" w="76200">
+          <a:ln w="76200" cap="rnd">
             <a:solidFill>
               <a:srgbClr val="86C7ED"/>
             </a:solidFill>
             <a:prstDash val="sysDot"/>
-            <a:headEnd type="none" len="sm" w="sm"/>
-            <a:tailEnd type="none" len="sm" w="sm"/>
+            <a:headEnd type="none" w="sm" len="sm"/>
+            <a:tailEnd type="none" w="sm" len="sm"/>
           </a:ln>
         </p:spPr>
       </p:sp>
       <p:sp>
         <p:nvSpPr>
-          <p:cNvPr name="TextBox 11" id="11"/>
-          <p:cNvSpPr txBox="true"/>
+          <p:cNvPr id="11" name="TextBox 11"/>
+          <p:cNvSpPr txBox="1"/>
           <p:nvPr/>
         </p:nvSpPr>
         <p:spPr>
-          <a:xfrm rot="0">
+          <a:xfrm>
             <a:off x="6021617" y="5090010"/>
             <a:ext cx="11243177" cy="655312"/>
           </a:xfrm>
@@ -4669,12 +4648,12 @@
           </a:prstGeom>
         </p:spPr>
         <p:txBody>
-          <a:bodyPr anchor="t" rtlCol="false" tIns="0" lIns="0" bIns="0" rIns="0">
+          <a:bodyPr lIns="0" tIns="0" rIns="0" bIns="0" rtlCol="0" anchor="t">
             <a:spAutoFit/>
           </a:bodyPr>
           <a:lstStyle/>
           <a:p>
-            <a:pPr algn="l" marL="0" indent="0" lvl="1">
+            <a:pPr marL="0" lvl="1" indent="0" algn="l">
               <a:lnSpc>
                 <a:spcPts val="5354"/>
               </a:lnSpc>
@@ -4696,7 +4675,7 @@
       </p:sp>
       <p:sp>
         <p:nvSpPr>
-          <p:cNvPr name="AutoShape 12" id="12"/>
+          <p:cNvPr id="12" name="AutoShape 12"/>
           <p:cNvSpPr/>
           <p:nvPr/>
         </p:nvSpPr>
@@ -4708,24 +4687,24 @@
           <a:prstGeom prst="line">
             <a:avLst/>
           </a:prstGeom>
-          <a:ln cap="rnd" w="76200">
+          <a:ln w="76200" cap="rnd">
             <a:solidFill>
               <a:srgbClr val="86C7ED"/>
             </a:solidFill>
             <a:prstDash val="sysDot"/>
-            <a:headEnd type="none" len="sm" w="sm"/>
-            <a:tailEnd type="none" len="sm" w="sm"/>
+            <a:headEnd type="none" w="sm" len="sm"/>
+            <a:tailEnd type="none" w="sm" len="sm"/>
           </a:ln>
         </p:spPr>
       </p:sp>
       <p:sp>
         <p:nvSpPr>
-          <p:cNvPr name="TextBox 13" id="13"/>
-          <p:cNvSpPr txBox="true"/>
+          <p:cNvPr id="13" name="TextBox 13"/>
+          <p:cNvSpPr txBox="1"/>
           <p:nvPr/>
         </p:nvSpPr>
         <p:spPr>
-          <a:xfrm rot="0">
+          <a:xfrm>
             <a:off x="6021617" y="6275463"/>
             <a:ext cx="11243177" cy="655312"/>
           </a:xfrm>
@@ -4734,12 +4713,12 @@
           </a:prstGeom>
         </p:spPr>
         <p:txBody>
-          <a:bodyPr anchor="t" rtlCol="false" tIns="0" lIns="0" bIns="0" rIns="0">
+          <a:bodyPr lIns="0" tIns="0" rIns="0" bIns="0" rtlCol="0" anchor="t">
             <a:spAutoFit/>
           </a:bodyPr>
           <a:lstStyle/>
           <a:p>
-            <a:pPr algn="l" marL="0" indent="0" lvl="1">
+            <a:pPr marL="0" lvl="1" indent="0" algn="l">
               <a:lnSpc>
                 <a:spcPts val="5354"/>
               </a:lnSpc>
@@ -4761,7 +4740,7 @@
       </p:sp>
       <p:sp>
         <p:nvSpPr>
-          <p:cNvPr name="AutoShape 14" id="14"/>
+          <p:cNvPr id="14" name="AutoShape 14"/>
           <p:cNvSpPr/>
           <p:nvPr/>
         </p:nvSpPr>
@@ -4773,24 +4752,24 @@
           <a:prstGeom prst="line">
             <a:avLst/>
           </a:prstGeom>
-          <a:ln cap="rnd" w="76200">
+          <a:ln w="76200" cap="rnd">
             <a:solidFill>
               <a:srgbClr val="86C7ED"/>
             </a:solidFill>
             <a:prstDash val="sysDot"/>
-            <a:headEnd type="none" len="sm" w="sm"/>
-            <a:tailEnd type="none" len="sm" w="sm"/>
+            <a:headEnd type="none" w="sm" len="sm"/>
+            <a:tailEnd type="none" w="sm" len="sm"/>
           </a:ln>
         </p:spPr>
       </p:sp>
       <p:sp>
         <p:nvSpPr>
-          <p:cNvPr name="TextBox 15" id="15"/>
-          <p:cNvSpPr txBox="true"/>
+          <p:cNvPr id="15" name="TextBox 15"/>
+          <p:cNvSpPr txBox="1"/>
           <p:nvPr/>
         </p:nvSpPr>
         <p:spPr>
-          <a:xfrm rot="0">
+          <a:xfrm>
             <a:off x="6021617" y="7460916"/>
             <a:ext cx="11243177" cy="655312"/>
           </a:xfrm>
@@ -4799,12 +4778,12 @@
           </a:prstGeom>
         </p:spPr>
         <p:txBody>
-          <a:bodyPr anchor="t" rtlCol="false" tIns="0" lIns="0" bIns="0" rIns="0">
+          <a:bodyPr lIns="0" tIns="0" rIns="0" bIns="0" rtlCol="0" anchor="t">
             <a:spAutoFit/>
           </a:bodyPr>
           <a:lstStyle/>
           <a:p>
-            <a:pPr algn="l" marL="0" indent="0" lvl="1">
+            <a:pPr marL="0" lvl="1" indent="0" algn="l">
               <a:lnSpc>
                 <a:spcPts val="5354"/>
               </a:lnSpc>
@@ -4826,7 +4805,7 @@
       </p:sp>
       <p:sp>
         <p:nvSpPr>
-          <p:cNvPr name="AutoShape 16" id="16"/>
+          <p:cNvPr id="16" name="AutoShape 16"/>
           <p:cNvSpPr/>
           <p:nvPr/>
         </p:nvSpPr>
@@ -4838,24 +4817,24 @@
           <a:prstGeom prst="line">
             <a:avLst/>
           </a:prstGeom>
-          <a:ln cap="rnd" w="76200">
+          <a:ln w="76200" cap="rnd">
             <a:solidFill>
               <a:srgbClr val="86C7ED"/>
             </a:solidFill>
             <a:prstDash val="sysDot"/>
-            <a:headEnd type="none" len="sm" w="sm"/>
-            <a:tailEnd type="none" len="sm" w="sm"/>
+            <a:headEnd type="none" w="sm" len="sm"/>
+            <a:tailEnd type="none" w="sm" len="sm"/>
           </a:ln>
         </p:spPr>
       </p:sp>
       <p:sp>
         <p:nvSpPr>
-          <p:cNvPr name="TextBox 17" id="17"/>
-          <p:cNvSpPr txBox="true"/>
+          <p:cNvPr id="17" name="TextBox 17"/>
+          <p:cNvSpPr txBox="1"/>
           <p:nvPr/>
         </p:nvSpPr>
         <p:spPr>
-          <a:xfrm rot="0">
+          <a:xfrm>
             <a:off x="6021617" y="8646369"/>
             <a:ext cx="11243177" cy="655312"/>
           </a:xfrm>
@@ -4864,12 +4843,12 @@
           </a:prstGeom>
         </p:spPr>
         <p:txBody>
-          <a:bodyPr anchor="t" rtlCol="false" tIns="0" lIns="0" bIns="0" rIns="0">
+          <a:bodyPr lIns="0" tIns="0" rIns="0" bIns="0" rtlCol="0" anchor="t">
             <a:spAutoFit/>
           </a:bodyPr>
           <a:lstStyle/>
           <a:p>
-            <a:pPr algn="l" marL="0" indent="0" lvl="1">
+            <a:pPr marL="0" lvl="1" indent="0" algn="l">
               <a:lnSpc>
                 <a:spcPts val="5354"/>
               </a:lnSpc>
@@ -4891,12 +4870,12 @@
       </p:sp>
       <p:grpSp>
         <p:nvGrpSpPr>
-          <p:cNvPr name="Group 18" id="18"/>
+          <p:cNvPr id="18" name="Group 18"/>
           <p:cNvGrpSpPr/>
           <p:nvPr/>
         </p:nvGrpSpPr>
         <p:grpSpPr>
-          <a:xfrm rot="0">
+          <a:xfrm>
             <a:off x="-5616940" y="-176189"/>
             <a:ext cx="11233880" cy="10639377"/>
             <a:chOff x="0" y="0"/>
@@ -4905,7 +4884,7 @@
         </p:grpSpPr>
         <p:grpSp>
           <p:nvGrpSpPr>
-            <p:cNvPr name="Group 19" id="19"/>
+            <p:cNvPr id="19" name="Group 19"/>
             <p:cNvGrpSpPr/>
             <p:nvPr/>
           </p:nvGrpSpPr>
@@ -4919,7 +4898,7 @@
           </p:grpSpPr>
           <p:sp>
             <p:nvSpPr>
-              <p:cNvPr name="Freeform 20" id="20"/>
+              <p:cNvPr id="20" name="Freeform 20"/>
               <p:cNvSpPr/>
               <p:nvPr/>
             </p:nvSpPr>
@@ -4933,9 +4912,9 @@
                 <a:gdLst/>
                 <a:ahLst/>
                 <a:cxnLst/>
-                <a:rect r="r" b="b" t="t" l="l"/>
+                <a:rect l="l" t="t" r="r" b="b"/>
                 <a:pathLst>
-                  <a:path h="5372100" w="8474859">
+                  <a:path w="8474859" h="5372100">
                     <a:moveTo>
                       <a:pt x="6924189" y="0"/>
                     </a:moveTo>
@@ -4969,12 +4948,12 @@
         </p:grpSp>
         <p:grpSp>
           <p:nvGrpSpPr>
-            <p:cNvPr name="Group 21" id="21"/>
+            <p:cNvPr id="21" name="Group 21"/>
             <p:cNvGrpSpPr/>
             <p:nvPr/>
           </p:nvGrpSpPr>
           <p:grpSpPr>
-            <a:xfrm rot="0">
+            <a:xfrm>
               <a:off x="0" y="0"/>
               <a:ext cx="14978507" cy="13716000"/>
               <a:chOff x="0" y="0"/>
@@ -4983,7 +4962,7 @@
           </p:grpSpPr>
           <p:sp>
             <p:nvSpPr>
-              <p:cNvPr name="Freeform 22" id="22"/>
+              <p:cNvPr id="22" name="Freeform 22"/>
               <p:cNvSpPr/>
               <p:nvPr/>
             </p:nvSpPr>
@@ -4997,9 +4976,9 @@
                 <a:gdLst/>
                 <a:ahLst/>
                 <a:cxnLst/>
-                <a:rect r="r" b="b" t="t" l="l"/>
+                <a:rect l="l" t="t" r="r" b="b"/>
                 <a:pathLst>
-                  <a:path h="5372100" w="5866582">
+                  <a:path w="5866582" h="5372100">
                     <a:moveTo>
                       <a:pt x="4315912" y="0"/>
                     </a:moveTo>
@@ -5034,12 +5013,12 @@
       </p:grpSp>
       <p:sp>
         <p:nvSpPr>
-          <p:cNvPr name="TextBox 23" id="23"/>
-          <p:cNvSpPr txBox="true"/>
+          <p:cNvPr id="23" name="TextBox 23"/>
+          <p:cNvSpPr txBox="1"/>
           <p:nvPr/>
         </p:nvSpPr>
         <p:spPr>
-          <a:xfrm rot="0">
+          <a:xfrm>
             <a:off x="1028700" y="4519314"/>
             <a:ext cx="4992917" cy="1146175"/>
           </a:xfrm>
@@ -5048,12 +5027,12 @@
           </a:prstGeom>
         </p:spPr>
         <p:txBody>
-          <a:bodyPr anchor="t" rtlCol="false" tIns="0" lIns="0" bIns="0" rIns="0">
+          <a:bodyPr lIns="0" tIns="0" rIns="0" bIns="0" rtlCol="0" anchor="t">
             <a:spAutoFit/>
           </a:bodyPr>
           <a:lstStyle/>
           <a:p>
-            <a:pPr algn="l" marL="0" indent="0" lvl="0">
+            <a:pPr marL="0" lvl="0" indent="0" algn="l">
               <a:lnSpc>
                 <a:spcPts val="8800"/>
               </a:lnSpc>
@@ -5075,12 +5054,12 @@
       </p:sp>
       <p:grpSp>
         <p:nvGrpSpPr>
-          <p:cNvPr name="Group 24" id="24"/>
+          <p:cNvPr id="24" name="Group 24"/>
           <p:cNvGrpSpPr/>
           <p:nvPr/>
         </p:nvGrpSpPr>
         <p:grpSpPr>
-          <a:xfrm rot="0">
+          <a:xfrm>
             <a:off x="-7158301" y="1754849"/>
             <a:ext cx="7462111" cy="2697790"/>
             <a:chOff x="0" y="0"/>
@@ -5089,12 +5068,12 @@
         </p:grpSpPr>
         <p:grpSp>
           <p:nvGrpSpPr>
-            <p:cNvPr name="Group 25" id="25"/>
+            <p:cNvPr id="25" name="Group 25"/>
             <p:cNvGrpSpPr/>
             <p:nvPr/>
           </p:nvGrpSpPr>
           <p:grpSpPr>
-            <a:xfrm rot="0">
+            <a:xfrm>
               <a:off x="0" y="0"/>
               <a:ext cx="9949481" cy="3597054"/>
               <a:chOff x="0" y="0"/>
@@ -5103,7 +5082,7 @@
           </p:grpSpPr>
           <p:sp>
             <p:nvSpPr>
-              <p:cNvPr name="Freeform 26" id="26"/>
+              <p:cNvPr id="26" name="Freeform 26"/>
               <p:cNvSpPr/>
               <p:nvPr/>
             </p:nvSpPr>
@@ -5117,9 +5096,9 @@
                 <a:gdLst/>
                 <a:ahLst/>
                 <a:cxnLst/>
-                <a:rect r="r" b="b" t="t" l="l"/>
+                <a:rect l="l" t="t" r="r" b="b"/>
                 <a:pathLst>
-                  <a:path h="1989023" w="5479625">
+                  <a:path w="5479625" h="1989023">
                     <a:moveTo>
                       <a:pt x="5355165" y="1989023"/>
                     </a:moveTo>
@@ -5167,21 +5146,21 @@
         </p:grpSp>
         <p:pic>
           <p:nvPicPr>
-            <p:cNvPr name="Picture 27" id="27"/>
+            <p:cNvPr id="27" name="Picture 27"/>
             <p:cNvPicPr>
-              <a:picLocks noChangeAspect="true"/>
+              <a:picLocks noChangeAspect="1"/>
             </p:cNvPicPr>
             <p:nvPr/>
           </p:nvPicPr>
           <p:blipFill>
-            <a:blip r:embed="rId3"/>
-            <a:srcRect l="0" t="0" r="0" b="0"/>
+            <a:blip r:embed="rId3" cstate="print"/>
+            <a:srcRect/>
             <a:stretch>
               <a:fillRect/>
             </a:stretch>
           </p:blipFill>
           <p:spPr>
-            <a:xfrm flipH="false" flipV="false" rot="0">
+            <a:xfrm>
               <a:off x="310457" y="518004"/>
               <a:ext cx="604819" cy="646433"/>
             </a:xfrm>
@@ -5192,9 +5171,9 @@
         </p:pic>
         <p:pic>
           <p:nvPicPr>
-            <p:cNvPr name="Picture 28" id="28"/>
+            <p:cNvPr id="28" name="Picture 28"/>
             <p:cNvPicPr>
-              <a:picLocks noChangeAspect="true"/>
+              <a:picLocks noChangeAspect="1"/>
             </p:cNvPicPr>
             <p:nvPr/>
           </p:nvPicPr>
@@ -5202,20 +5181,20 @@
             <a:blip r:embed="rId4">
               <a:extLst>
                 <a:ext uri="{28A0092B-C50C-407E-A947-70E740481C1C}">
-                  <a14:useLocalDpi xmlns:a14="http://schemas.microsoft.com/office/drawing/2010/main" val="0"/>
+                  <a14:useLocalDpi xmlns:a14="http://schemas.microsoft.com/office/drawing/2010/main" xmlns="" val="0"/>
                 </a:ext>
                 <a:ext uri="{96DAC541-7B7A-43D3-8B79-37D633B846F1}">
-                  <asvg:svgBlip xmlns:asvg="http://schemas.microsoft.com/office/drawing/2016/SVG/main" r:embed="rId5"/>
+                  <asvg:svgBlip xmlns:asvg="http://schemas.microsoft.com/office/drawing/2016/SVG/main" xmlns="" r:embed="rId5"/>
                 </a:ext>
               </a:extLst>
             </a:blip>
-            <a:srcRect l="0" t="0" r="0" b="0"/>
+            <a:srcRect/>
             <a:stretch>
               <a:fillRect/>
             </a:stretch>
           </p:blipFill>
           <p:spPr>
-            <a:xfrm flipH="false" flipV="false" rot="2700000">
+            <a:xfrm rot="2700000">
               <a:off x="331690" y="1556232"/>
               <a:ext cx="562354" cy="562354"/>
             </a:xfrm>
@@ -5226,12 +5205,12 @@
         </p:pic>
         <p:sp>
           <p:nvSpPr>
-            <p:cNvPr name="TextBox 29" id="29"/>
-            <p:cNvSpPr txBox="true"/>
+            <p:cNvPr id="29" name="TextBox 29"/>
+            <p:cNvSpPr txBox="1"/>
             <p:nvPr/>
           </p:nvSpPr>
           <p:spPr>
-            <a:xfrm rot="0">
+            <a:xfrm>
               <a:off x="1359250" y="2744193"/>
               <a:ext cx="7528887" cy="334857"/>
             </a:xfrm>
@@ -5240,7 +5219,7 @@
             </a:prstGeom>
           </p:spPr>
           <p:txBody>
-            <a:bodyPr anchor="t" rtlCol="false" tIns="0" lIns="0" bIns="0" rIns="0">
+            <a:bodyPr lIns="0" tIns="0" rIns="0" bIns="0" rtlCol="0" anchor="t">
               <a:spAutoFit/>
             </a:bodyPr>
             <a:lstStyle/>
@@ -5264,12 +5243,12 @@
         </p:sp>
         <p:sp>
           <p:nvSpPr>
-            <p:cNvPr name="TextBox 30" id="30"/>
-            <p:cNvSpPr txBox="true"/>
+            <p:cNvPr id="30" name="TextBox 30"/>
+            <p:cNvSpPr txBox="1"/>
             <p:nvPr/>
           </p:nvSpPr>
           <p:spPr>
-            <a:xfrm rot="0">
+            <a:xfrm>
               <a:off x="1359250" y="549762"/>
               <a:ext cx="8375009" cy="1685290"/>
             </a:xfrm>
@@ -5278,7 +5257,7 @@
             </a:prstGeom>
           </p:spPr>
           <p:txBody>
-            <a:bodyPr anchor="t" rtlCol="false" tIns="0" lIns="0" bIns="0" rIns="0">
+            <a:bodyPr lIns="0" tIns="0" rIns="0" bIns="0" rtlCol="0" anchor="t">
               <a:spAutoFit/>
             </a:bodyPr>
             <a:lstStyle/>
@@ -5304,6 +5283,7 @@
                   <a:spcPts val="2079"/>
                 </a:lnSpc>
               </a:pPr>
+              <a:endParaRPr/>
             </a:p>
             <a:p>
               <a:pPr algn="l">
@@ -5329,11 +5309,18 @@
   <p:clrMapOvr>
     <a:masterClrMapping/>
   </p:clrMapOvr>
+  <p:timing>
+    <p:tnLst>
+      <p:par>
+        <p:cTn id="1" dur="indefinite" restart="never" nodeType="tmRoot"/>
+      </p:par>
+    </p:tnLst>
+  </p:timing>
 </p:sld>
 </file>
 
 <file path=ppt/slides/slide3.xml><?xml version="1.0" encoding="utf-8"?>
-<p:sld xmlns:p="http://schemas.openxmlformats.org/presentationml/2006/main" xmlns:a="http://schemas.openxmlformats.org/drawingml/2006/main">
+<p:sld xmlns:a="http://schemas.openxmlformats.org/drawingml/2006/main" xmlns:r="http://schemas.openxmlformats.org/officeDocument/2006/relationships" xmlns:p="http://schemas.openxmlformats.org/presentationml/2006/main">
   <p:cSld>
     <p:spTree>
       <p:nvGrpSpPr>
@@ -5351,7 +5338,7 @@
       </p:grpSpPr>
       <p:grpSp>
         <p:nvGrpSpPr>
-          <p:cNvPr name="Group 2" id="2"/>
+          <p:cNvPr id="2" name="Group 2"/>
           <p:cNvGrpSpPr/>
           <p:nvPr/>
         </p:nvGrpSpPr>
@@ -5365,7 +5352,7 @@
         </p:grpSpPr>
         <p:sp>
           <p:nvSpPr>
-            <p:cNvPr name="Freeform 3" id="3"/>
+            <p:cNvPr id="3" name="Freeform 3"/>
             <p:cNvSpPr/>
             <p:nvPr/>
           </p:nvSpPr>
@@ -5379,9 +5366,9 @@
               <a:gdLst/>
               <a:ahLst/>
               <a:cxnLst/>
-              <a:rect r="r" b="b" t="t" l="l"/>
+              <a:rect l="l" t="t" r="r" b="b"/>
               <a:pathLst>
-                <a:path h="5372100" w="8474859">
+                <a:path w="8474859" h="5372100">
                   <a:moveTo>
                     <a:pt x="6924189" y="0"/>
                   </a:moveTo>
@@ -5415,21 +5402,21 @@
       </p:grpSp>
       <p:sp>
         <p:nvSpPr>
-          <p:cNvPr name="TextBox 4" id="4"/>
-          <p:cNvSpPr txBox="true"/>
+          <p:cNvPr id="4" name="TextBox 4"/>
+          <p:cNvSpPr txBox="1"/>
           <p:nvPr/>
         </p:nvSpPr>
         <p:spPr>
-          <a:xfrm rot="0">
+          <a:xfrm>
             <a:off x="7620298" y="365125"/>
-            <a:ext cx="3047405" cy="1193800"/>
+            <a:ext cx="3276302" cy="1256754"/>
           </a:xfrm>
           <a:prstGeom prst="rect">
             <a:avLst/>
           </a:prstGeom>
         </p:spPr>
         <p:txBody>
-          <a:bodyPr anchor="t" rtlCol="false" tIns="0" lIns="0" bIns="0" rIns="0">
+          <a:bodyPr wrap="square" lIns="0" tIns="0" rIns="0" bIns="0" rtlCol="0" anchor="t">
             <a:spAutoFit/>
           </a:bodyPr>
           <a:lstStyle/>
@@ -5443,7 +5430,7 @@
               </a:spcBef>
             </a:pPr>
             <a:r>
-              <a:rPr lang="en-US" sz="6999" spc="34">
+              <a:rPr lang="en-US" sz="6999" spc="34" dirty="0">
                 <a:solidFill>
                   <a:srgbClr val="000000"/>
                 </a:solidFill>
@@ -5456,12 +5443,12 @@
       </p:sp>
       <p:sp>
         <p:nvSpPr>
-          <p:cNvPr name="TextBox 5" id="5"/>
-          <p:cNvSpPr txBox="true"/>
+          <p:cNvPr id="5" name="TextBox 5"/>
+          <p:cNvSpPr txBox="1"/>
           <p:nvPr/>
         </p:nvSpPr>
         <p:spPr>
-          <a:xfrm rot="0">
+          <a:xfrm>
             <a:off x="1028700" y="4428324"/>
             <a:ext cx="16230600" cy="1484630"/>
           </a:xfrm>
@@ -5470,7 +5457,7 @@
           </a:prstGeom>
         </p:spPr>
         <p:txBody>
-          <a:bodyPr anchor="t" rtlCol="false" tIns="0" lIns="0" bIns="0" rIns="0">
+          <a:bodyPr lIns="0" tIns="0" rIns="0" bIns="0" rtlCol="0" anchor="t">
             <a:spAutoFit/>
           </a:bodyPr>
           <a:lstStyle/>
@@ -5506,12 +5493,12 @@
       </p:sp>
       <p:sp>
         <p:nvSpPr>
-          <p:cNvPr name="TextBox 6" id="6"/>
-          <p:cNvSpPr txBox="true"/>
+          <p:cNvPr id="6" name="TextBox 6"/>
+          <p:cNvSpPr txBox="1"/>
           <p:nvPr/>
         </p:nvSpPr>
         <p:spPr>
-          <a:xfrm rot="0">
+          <a:xfrm>
             <a:off x="1028700" y="6156291"/>
             <a:ext cx="16230600" cy="2345055"/>
           </a:xfrm>
@@ -5520,7 +5507,7 @@
           </a:prstGeom>
         </p:spPr>
         <p:txBody>
-          <a:bodyPr anchor="t" rtlCol="false" tIns="0" lIns="0" bIns="0" rIns="0">
+          <a:bodyPr lIns="0" tIns="0" rIns="0" bIns="0" rtlCol="0" anchor="t">
             <a:spAutoFit/>
           </a:bodyPr>
           <a:lstStyle/>
@@ -5547,21 +5534,21 @@
       </p:sp>
       <p:sp>
         <p:nvSpPr>
-          <p:cNvPr name="TextBox 7" id="7"/>
-          <p:cNvSpPr txBox="true"/>
+          <p:cNvPr id="7" name="TextBox 7"/>
+          <p:cNvSpPr txBox="1"/>
           <p:nvPr/>
         </p:nvSpPr>
         <p:spPr>
-          <a:xfrm rot="0">
+          <a:xfrm>
             <a:off x="1028700" y="1876894"/>
-            <a:ext cx="16230600" cy="2237105"/>
+            <a:ext cx="16230600" cy="2308324"/>
           </a:xfrm>
           <a:prstGeom prst="rect">
             <a:avLst/>
           </a:prstGeom>
         </p:spPr>
         <p:txBody>
-          <a:bodyPr anchor="t" rtlCol="false" tIns="0" lIns="0" bIns="0" rIns="0">
+          <a:bodyPr lIns="0" tIns="0" rIns="0" bIns="0" rtlCol="0" anchor="t">
             <a:spAutoFit/>
           </a:bodyPr>
           <a:lstStyle/>
@@ -5575,13 +5562,31 @@
               </a:spcBef>
             </a:pPr>
             <a:r>
-              <a:rPr lang="en-US" sz="4599" spc="45">
+              <a:rPr lang="en-US" sz="4599" spc="45" dirty="0">
                 <a:solidFill>
                   <a:srgbClr val="000000"/>
                 </a:solidFill>
                 <a:latin typeface="Times Neue Roman"/>
               </a:rPr>
-              <a:t>Electronic Commerce Website is one that allows people to buy and sell physical goods, services, and digital products over the internet rather than at a brick-and-mortar location.</a:t>
+              <a:t>Electronic Commerce Website is </a:t>
+            </a:r>
+            <a:r>
+              <a:rPr lang="en-US" sz="4599" spc="45" dirty="0" smtClean="0">
+                <a:solidFill>
+                  <a:srgbClr val="000000"/>
+                </a:solidFill>
+                <a:latin typeface="Times Neue Roman"/>
+              </a:rPr>
+              <a:t>one </a:t>
+            </a:r>
+            <a:r>
+              <a:rPr lang="en-US" sz="4599" spc="45" dirty="0">
+                <a:solidFill>
+                  <a:srgbClr val="000000"/>
+                </a:solidFill>
+                <a:latin typeface="Times Neue Roman"/>
+              </a:rPr>
+              <a:t>that allows people to buy and sell physical goods, services, and digital products over the internet rather than at a brick-and-mortar location.</a:t>
             </a:r>
           </a:p>
         </p:txBody>
@@ -5591,11 +5596,18 @@
   <p:clrMapOvr>
     <a:masterClrMapping/>
   </p:clrMapOvr>
+  <p:timing>
+    <p:tnLst>
+      <p:par>
+        <p:cTn id="1" dur="indefinite" restart="never" nodeType="tmRoot"/>
+      </p:par>
+    </p:tnLst>
+  </p:timing>
 </p:sld>
 </file>
 
 <file path=ppt/slides/slide4.xml><?xml version="1.0" encoding="utf-8"?>
-<p:sld xmlns:p="http://schemas.openxmlformats.org/presentationml/2006/main" xmlns:a="http://schemas.openxmlformats.org/drawingml/2006/main">
+<p:sld xmlns:a="http://schemas.openxmlformats.org/drawingml/2006/main" xmlns:r="http://schemas.openxmlformats.org/officeDocument/2006/relationships" xmlns:p="http://schemas.openxmlformats.org/presentationml/2006/main">
   <p:cSld>
     <p:spTree>
       <p:nvGrpSpPr>
@@ -5613,21 +5625,21 @@
       </p:grpSpPr>
       <p:sp>
         <p:nvSpPr>
-          <p:cNvPr name="TextBox 2" id="2"/>
-          <p:cNvSpPr txBox="true"/>
+          <p:cNvPr id="2" name="TextBox 2"/>
+          <p:cNvSpPr txBox="1"/>
           <p:nvPr/>
         </p:nvSpPr>
         <p:spPr>
-          <a:xfrm rot="0">
+          <a:xfrm>
             <a:off x="1028700" y="1000125"/>
-            <a:ext cx="16230600" cy="1754505"/>
+            <a:ext cx="16230600" cy="2410916"/>
           </a:xfrm>
           <a:prstGeom prst="rect">
             <a:avLst/>
           </a:prstGeom>
         </p:spPr>
         <p:txBody>
-          <a:bodyPr anchor="t" rtlCol="false" tIns="0" lIns="0" bIns="0" rIns="0">
+          <a:bodyPr lIns="0" tIns="0" rIns="0" bIns="0" rtlCol="0" anchor="t">
             <a:spAutoFit/>
           </a:bodyPr>
           <a:lstStyle/>
@@ -5641,7 +5653,7 @@
               </a:spcBef>
             </a:pPr>
             <a:r>
-              <a:rPr lang="en-US" sz="3600" spc="36">
+              <a:rPr lang="en-US" sz="4600" spc="36" dirty="0">
                 <a:solidFill>
                   <a:srgbClr val="000000"/>
                 </a:solidFill>
@@ -5654,7 +5666,7 @@
       </p:sp>
       <p:grpSp>
         <p:nvGrpSpPr>
-          <p:cNvPr name="Group 3" id="3"/>
+          <p:cNvPr id="3" name="Group 3"/>
           <p:cNvGrpSpPr/>
           <p:nvPr/>
         </p:nvGrpSpPr>
@@ -5668,7 +5680,7 @@
         </p:grpSpPr>
         <p:sp>
           <p:nvSpPr>
-            <p:cNvPr name="Freeform 4" id="4"/>
+            <p:cNvPr id="4" name="Freeform 4"/>
             <p:cNvSpPr/>
             <p:nvPr/>
           </p:nvSpPr>
@@ -5682,9 +5694,9 @@
               <a:gdLst/>
               <a:ahLst/>
               <a:cxnLst/>
-              <a:rect r="r" b="b" t="t" l="l"/>
+              <a:rect l="l" t="t" r="r" b="b"/>
               <a:pathLst>
-                <a:path h="5372100" w="8474859">
+                <a:path w="8474859" h="5372100">
                   <a:moveTo>
                     <a:pt x="6924189" y="0"/>
                   </a:moveTo>
@@ -5721,11 +5733,18 @@
   <p:clrMapOvr>
     <a:masterClrMapping/>
   </p:clrMapOvr>
+  <p:timing>
+    <p:tnLst>
+      <p:par>
+        <p:cTn id="1" dur="indefinite" restart="never" nodeType="tmRoot"/>
+      </p:par>
+    </p:tnLst>
+  </p:timing>
 </p:sld>
 </file>
 
 <file path=ppt/slides/slide5.xml><?xml version="1.0" encoding="utf-8"?>
-<p:sld xmlns:p="http://schemas.openxmlformats.org/presentationml/2006/main" xmlns:a="http://schemas.openxmlformats.org/drawingml/2006/main" xmlns:r="http://schemas.openxmlformats.org/officeDocument/2006/relationships">
+<p:sld xmlns:a="http://schemas.openxmlformats.org/drawingml/2006/main" xmlns:r="http://schemas.openxmlformats.org/officeDocument/2006/relationships" xmlns:p="http://schemas.openxmlformats.org/presentationml/2006/main">
   <p:cSld>
     <p:spTree>
       <p:nvGrpSpPr>
@@ -5743,7 +5762,7 @@
       </p:grpSpPr>
       <p:grpSp>
         <p:nvGrpSpPr>
-          <p:cNvPr name="Group 2" id="2"/>
+          <p:cNvPr id="2" name="Group 2"/>
           <p:cNvGrpSpPr/>
           <p:nvPr/>
         </p:nvGrpSpPr>
@@ -5757,7 +5776,7 @@
         </p:grpSpPr>
         <p:sp>
           <p:nvSpPr>
-            <p:cNvPr name="Freeform 3" id="3"/>
+            <p:cNvPr id="3" name="Freeform 3"/>
             <p:cNvSpPr/>
             <p:nvPr/>
           </p:nvSpPr>
@@ -5771,9 +5790,9 @@
               <a:gdLst/>
               <a:ahLst/>
               <a:cxnLst/>
-              <a:rect r="r" b="b" t="t" l="l"/>
+              <a:rect l="l" t="t" r="r" b="b"/>
               <a:pathLst>
-                <a:path h="5372100" w="8474859">
+                <a:path w="8474859" h="5372100">
                   <a:moveTo>
                     <a:pt x="6924189" y="0"/>
                   </a:moveTo>
@@ -5807,12 +5826,12 @@
       </p:grpSp>
       <p:sp>
         <p:nvSpPr>
-          <p:cNvPr name="TextBox 4" id="4"/>
-          <p:cNvSpPr txBox="true"/>
+          <p:cNvPr id="4" name="TextBox 4"/>
+          <p:cNvSpPr txBox="1"/>
           <p:nvPr/>
         </p:nvSpPr>
         <p:spPr>
-          <a:xfrm rot="0">
+          <a:xfrm>
             <a:off x="1028700" y="9416278"/>
             <a:ext cx="4401730" cy="255905"/>
           </a:xfrm>
@@ -5821,7 +5840,7 @@
           </a:prstGeom>
         </p:spPr>
         <p:txBody>
-          <a:bodyPr anchor="t" rtlCol="false" tIns="0" lIns="0" bIns="0" rIns="0">
+          <a:bodyPr lIns="0" tIns="0" rIns="0" bIns="0" rtlCol="0" anchor="t">
             <a:spAutoFit/>
           </a:bodyPr>
           <a:lstStyle/>
@@ -5832,7 +5851,7 @@
               </a:lnSpc>
             </a:pPr>
             <a:r>
-              <a:rPr lang="en-US" sz="1599" spc="15" u="sng">
+              <a:rPr lang="en-US" sz="1599" u="sng" spc="15">
                 <a:solidFill>
                   <a:srgbClr val="FFFFFF"/>
                 </a:solidFill>
@@ -5846,12 +5865,12 @@
       </p:sp>
       <p:sp>
         <p:nvSpPr>
-          <p:cNvPr name="TextBox 5" id="5"/>
-          <p:cNvSpPr txBox="true"/>
+          <p:cNvPr id="5" name="TextBox 5"/>
+          <p:cNvSpPr txBox="1"/>
           <p:nvPr/>
         </p:nvSpPr>
         <p:spPr>
-          <a:xfrm rot="0">
+          <a:xfrm>
             <a:off x="6919881" y="365125"/>
             <a:ext cx="4448238" cy="1193800"/>
           </a:xfrm>
@@ -5860,7 +5879,7 @@
           </a:prstGeom>
         </p:spPr>
         <p:txBody>
-          <a:bodyPr anchor="t" rtlCol="false" tIns="0" lIns="0" bIns="0" rIns="0">
+          <a:bodyPr lIns="0" tIns="0" rIns="0" bIns="0" rtlCol="0" anchor="t">
             <a:spAutoFit/>
           </a:bodyPr>
           <a:lstStyle/>
@@ -5874,7 +5893,7 @@
               </a:spcBef>
             </a:pPr>
             <a:r>
-              <a:rPr lang="en-US" sz="6999" spc="34">
+              <a:rPr lang="en-US" sz="6999" spc="34" dirty="0">
                 <a:solidFill>
                   <a:srgbClr val="000000"/>
                 </a:solidFill>
@@ -5887,21 +5906,21 @@
       </p:sp>
       <p:sp>
         <p:nvSpPr>
-          <p:cNvPr name="TextBox 6" id="6"/>
-          <p:cNvSpPr txBox="true"/>
+          <p:cNvPr id="6" name="TextBox 6"/>
+          <p:cNvSpPr txBox="1"/>
           <p:nvPr/>
         </p:nvSpPr>
         <p:spPr>
-          <a:xfrm rot="0">
-            <a:off x="1028700" y="2470785"/>
-            <a:ext cx="16230600" cy="5307330"/>
+          <a:xfrm>
+            <a:off x="1028700" y="1866900"/>
+            <a:ext cx="16230600" cy="5576962"/>
           </a:xfrm>
           <a:prstGeom prst="rect">
             <a:avLst/>
           </a:prstGeom>
         </p:spPr>
         <p:txBody>
-          <a:bodyPr anchor="t" rtlCol="false" tIns="0" lIns="0" bIns="0" rIns="0">
+          <a:bodyPr wrap="square" lIns="0" tIns="0" rIns="0" bIns="0" rtlCol="0" anchor="t">
             <a:spAutoFit/>
           </a:bodyPr>
           <a:lstStyle/>
@@ -5915,13 +5934,31 @@
               </a:spcBef>
             </a:pPr>
             <a:r>
-              <a:rPr lang="en-US" sz="3600" spc="36">
+              <a:rPr lang="en-US" sz="3600" spc="36" dirty="0">
                 <a:solidFill>
                   <a:srgbClr val="000000"/>
                 </a:solidFill>
                 <a:latin typeface="Fira Sans Light"/>
               </a:rPr>
-              <a:t>E-commerce is one of the fastest growing segments in the Indian Economy. Though marked by high growth rate, the Indian e-commerce industry has been behind its counterparts in many developed and emerging economies, primarily due to a relatively low internet user base. In a study conducted by global management consultancy firm AT Kearney in 2015, there were only 39 million online buyers in India; a tiny fraction of the 1.2 billion who live in the country. This study attempts to explore the evolution of e-commerce in India and identifies various challenges to as well the factors responsible for the future growth and development of e-commerce.</a:t>
+              <a:t>E-commerce is one of the fastest growing segments in the Indian Economy. Though marked by high growth rate, the Indian e-commerce industry has been behind its counterparts in many developed and emerging economies, primarily due to a relatively low internet user base. In a study conducted by global management consultancy firm AT Kearney in 2015, there were only 39 million online buyers in India; a tiny fraction of the 1.2 billion who live in the country. This study </a:t>
+            </a:r>
+            <a:r>
+              <a:rPr lang="en-US" sz="3600" spc="36" dirty="0">
+                <a:solidFill>
+                  <a:srgbClr val="000000"/>
+                </a:solidFill>
+                <a:latin typeface="Times Neue Roman" charset="0"/>
+              </a:rPr>
+              <a:t>attempts</a:t>
+            </a:r>
+            <a:r>
+              <a:rPr lang="en-US" sz="3600" spc="36" dirty="0">
+                <a:solidFill>
+                  <a:srgbClr val="000000"/>
+                </a:solidFill>
+                <a:latin typeface="Fira Sans Light"/>
+              </a:rPr>
+              <a:t> to explore the evolution of e-commerce in India and identifies various challenges to as well the factors responsible for the future growth and development of e-commerce.</a:t>
             </a:r>
           </a:p>
         </p:txBody>
@@ -5931,11 +5968,18 @@
   <p:clrMapOvr>
     <a:masterClrMapping/>
   </p:clrMapOvr>
+  <p:timing>
+    <p:tnLst>
+      <p:par>
+        <p:cTn id="1" dur="indefinite" restart="never" nodeType="tmRoot"/>
+      </p:par>
+    </p:tnLst>
+  </p:timing>
 </p:sld>
 </file>
 
 <file path=ppt/slides/slide6.xml><?xml version="1.0" encoding="utf-8"?>
-<p:sld xmlns:p="http://schemas.openxmlformats.org/presentationml/2006/main" xmlns:a="http://schemas.openxmlformats.org/drawingml/2006/main">
+<p:sld xmlns:a="http://schemas.openxmlformats.org/drawingml/2006/main" xmlns:r="http://schemas.openxmlformats.org/officeDocument/2006/relationships" xmlns:p="http://schemas.openxmlformats.org/presentationml/2006/main">
   <p:cSld>
     <p:spTree>
       <p:nvGrpSpPr>
@@ -5953,7 +5997,7 @@
       </p:grpSpPr>
       <p:grpSp>
         <p:nvGrpSpPr>
-          <p:cNvPr name="Group 2" id="2"/>
+          <p:cNvPr id="2" name="Group 2"/>
           <p:cNvGrpSpPr/>
           <p:nvPr/>
         </p:nvGrpSpPr>
@@ -5967,7 +6011,7 @@
         </p:grpSpPr>
         <p:sp>
           <p:nvSpPr>
-            <p:cNvPr name="Freeform 3" id="3"/>
+            <p:cNvPr id="3" name="Freeform 3"/>
             <p:cNvSpPr/>
             <p:nvPr/>
           </p:nvSpPr>
@@ -5981,9 +6025,9 @@
               <a:gdLst/>
               <a:ahLst/>
               <a:cxnLst/>
-              <a:rect r="r" b="b" t="t" l="l"/>
+              <a:rect l="l" t="t" r="r" b="b"/>
               <a:pathLst>
-                <a:path h="5372100" w="8474859">
+                <a:path w="8474859" h="5372100">
                   <a:moveTo>
                     <a:pt x="6924189" y="0"/>
                   </a:moveTo>
@@ -6017,21 +6061,21 @@
       </p:grpSp>
       <p:sp>
         <p:nvSpPr>
-          <p:cNvPr name="TextBox 4" id="4"/>
-          <p:cNvSpPr txBox="true"/>
+          <p:cNvPr id="4" name="TextBox 4"/>
+          <p:cNvSpPr txBox="1"/>
           <p:nvPr/>
         </p:nvSpPr>
         <p:spPr>
-          <a:xfrm rot="0">
-            <a:off x="5884716" y="365125"/>
-            <a:ext cx="6518567" cy="1193800"/>
+          <a:xfrm>
+            <a:off x="5486400" y="365125"/>
+            <a:ext cx="7162800" cy="1256754"/>
           </a:xfrm>
           <a:prstGeom prst="rect">
             <a:avLst/>
           </a:prstGeom>
         </p:spPr>
         <p:txBody>
-          <a:bodyPr anchor="t" rtlCol="false" tIns="0" lIns="0" bIns="0" rIns="0">
+          <a:bodyPr wrap="square" lIns="0" tIns="0" rIns="0" bIns="0" rtlCol="0" anchor="t">
             <a:spAutoFit/>
           </a:bodyPr>
           <a:lstStyle/>
@@ -6045,7 +6089,7 @@
               </a:spcBef>
             </a:pPr>
             <a:r>
-              <a:rPr lang="en-US" sz="6999" spc="34">
+              <a:rPr lang="en-US" sz="6999" spc="34" dirty="0">
                 <a:solidFill>
                   <a:srgbClr val="000000"/>
                 </a:solidFill>
@@ -6058,21 +6102,21 @@
       </p:sp>
       <p:sp>
         <p:nvSpPr>
-          <p:cNvPr name="TextBox 5" id="5"/>
-          <p:cNvSpPr txBox="true"/>
+          <p:cNvPr id="5" name="TextBox 5"/>
+          <p:cNvSpPr txBox="1"/>
           <p:nvPr/>
         </p:nvSpPr>
         <p:spPr>
-          <a:xfrm rot="0">
-            <a:off x="1028700" y="2470785"/>
-            <a:ext cx="16417089" cy="5307330"/>
+          <a:xfrm>
+            <a:off x="1028700" y="2171700"/>
+            <a:ext cx="16417089" cy="5606415"/>
           </a:xfrm>
           <a:prstGeom prst="rect">
             <a:avLst/>
           </a:prstGeom>
         </p:spPr>
         <p:txBody>
-          <a:bodyPr anchor="t" rtlCol="false" tIns="0" lIns="0" bIns="0" rIns="0">
+          <a:bodyPr wrap="square" lIns="0" tIns="0" rIns="0" bIns="0" rtlCol="0" anchor="t">
             <a:spAutoFit/>
           </a:bodyPr>
           <a:lstStyle/>
@@ -6086,7 +6130,7 @@
               </a:spcBef>
             </a:pPr>
             <a:r>
-              <a:rPr lang="en-US" sz="3600" spc="36">
+              <a:rPr lang="en-US" sz="3600" spc="36" dirty="0">
                 <a:solidFill>
                   <a:srgbClr val="000000"/>
                 </a:solidFill>
@@ -6102,11 +6146,18 @@
   <p:clrMapOvr>
     <a:masterClrMapping/>
   </p:clrMapOvr>
+  <p:timing>
+    <p:tnLst>
+      <p:par>
+        <p:cTn id="1" dur="indefinite" restart="never" nodeType="tmRoot"/>
+      </p:par>
+    </p:tnLst>
+  </p:timing>
 </p:sld>
 </file>
 
 <file path=ppt/slides/slide7.xml><?xml version="1.0" encoding="utf-8"?>
-<p:sld xmlns:p="http://schemas.openxmlformats.org/presentationml/2006/main" xmlns:a="http://schemas.openxmlformats.org/drawingml/2006/main">
+<p:sld xmlns:a="http://schemas.openxmlformats.org/drawingml/2006/main" xmlns:r="http://schemas.openxmlformats.org/officeDocument/2006/relationships" xmlns:p="http://schemas.openxmlformats.org/presentationml/2006/main">
   <p:cSld>
     <p:spTree>
       <p:nvGrpSpPr>
@@ -6124,7 +6175,7 @@
       </p:grpSpPr>
       <p:grpSp>
         <p:nvGrpSpPr>
-          <p:cNvPr name="Group 2" id="2"/>
+          <p:cNvPr id="2" name="Group 2"/>
           <p:cNvGrpSpPr/>
           <p:nvPr/>
         </p:nvGrpSpPr>
@@ -6138,7 +6189,7 @@
         </p:grpSpPr>
         <p:sp>
           <p:nvSpPr>
-            <p:cNvPr name="Freeform 3" id="3"/>
+            <p:cNvPr id="3" name="Freeform 3"/>
             <p:cNvSpPr/>
             <p:nvPr/>
           </p:nvSpPr>
@@ -6152,9 +6203,9 @@
               <a:gdLst/>
               <a:ahLst/>
               <a:cxnLst/>
-              <a:rect r="r" b="b" t="t" l="l"/>
+              <a:rect l="l" t="t" r="r" b="b"/>
               <a:pathLst>
-                <a:path h="5372100" w="8474859">
+                <a:path w="8474859" h="5372100">
                   <a:moveTo>
                     <a:pt x="6924189" y="0"/>
                   </a:moveTo>
@@ -6188,21 +6239,21 @@
       </p:grpSp>
       <p:sp>
         <p:nvSpPr>
-          <p:cNvPr name="TextBox 4" id="4"/>
-          <p:cNvSpPr txBox="true"/>
+          <p:cNvPr id="4" name="TextBox 4"/>
+          <p:cNvSpPr txBox="1"/>
           <p:nvPr/>
         </p:nvSpPr>
         <p:spPr>
-          <a:xfrm rot="0">
-            <a:off x="5601553" y="355605"/>
-            <a:ext cx="8321947" cy="1203315"/>
+          <a:xfrm>
+            <a:off x="5105400" y="355605"/>
+            <a:ext cx="8991600" cy="1256754"/>
           </a:xfrm>
           <a:prstGeom prst="rect">
             <a:avLst/>
           </a:prstGeom>
         </p:spPr>
         <p:txBody>
-          <a:bodyPr anchor="t" rtlCol="false" tIns="0" lIns="0" bIns="0" rIns="0">
+          <a:bodyPr wrap="square" lIns="0" tIns="0" rIns="0" bIns="0" rtlCol="0" anchor="t">
             <a:spAutoFit/>
           </a:bodyPr>
           <a:lstStyle/>
@@ -6213,7 +6264,7 @@
               </a:lnSpc>
             </a:pPr>
             <a:r>
-              <a:rPr lang="en-US" sz="7000">
+              <a:rPr lang="en-US" sz="7000" dirty="0">
                 <a:solidFill>
                   <a:srgbClr val="000000"/>
                 </a:solidFill>
@@ -6226,12 +6277,12 @@
       </p:sp>
       <p:sp>
         <p:nvSpPr>
-          <p:cNvPr name="TextBox 5" id="5"/>
-          <p:cNvSpPr txBox="true"/>
+          <p:cNvPr id="5" name="TextBox 5"/>
+          <p:cNvSpPr txBox="1"/>
           <p:nvPr/>
         </p:nvSpPr>
         <p:spPr>
-          <a:xfrm rot="0">
+          <a:xfrm>
             <a:off x="1028700" y="1728285"/>
             <a:ext cx="16022482" cy="3658703"/>
           </a:xfrm>
@@ -6240,12 +6291,12 @@
           </a:prstGeom>
         </p:spPr>
         <p:txBody>
-          <a:bodyPr anchor="t" rtlCol="false" tIns="0" lIns="0" bIns="0" rIns="0">
+          <a:bodyPr lIns="0" tIns="0" rIns="0" bIns="0" rtlCol="0" anchor="t">
             <a:spAutoFit/>
           </a:bodyPr>
           <a:lstStyle/>
           <a:p>
-            <a:pPr marL="1122679" indent="-561340" lvl="1">
+            <a:pPr marL="1122679" lvl="1" indent="-561340">
               <a:lnSpc>
                 <a:spcPts val="7279"/>
               </a:lnSpc>
@@ -6253,7 +6304,7 @@
               <a:buChar char="•"/>
             </a:pPr>
             <a:r>
-              <a:rPr lang="en-US" sz="5199">
+              <a:rPr lang="en-US" sz="5199" dirty="0">
                 <a:solidFill>
                   <a:srgbClr val="000000"/>
                 </a:solidFill>
@@ -6263,7 +6314,7 @@
             </a:r>
           </a:p>
           <a:p>
-            <a:pPr marL="1122679" indent="-561340" lvl="1">
+            <a:pPr marL="1122679" lvl="1" indent="-561340">
               <a:lnSpc>
                 <a:spcPts val="7279"/>
               </a:lnSpc>
@@ -6271,17 +6322,53 @@
               <a:buChar char="•"/>
             </a:pPr>
             <a:r>
-              <a:rPr lang="en-US" sz="5199">
+              <a:rPr lang="en-US" sz="5199" dirty="0">
                 <a:solidFill>
                   <a:srgbClr val="000000"/>
                 </a:solidFill>
                 <a:latin typeface="Times Neue Roman"/>
               </a:rPr>
-              <a:t>How Olx and Quikr works.</a:t>
-            </a:r>
-          </a:p>
-          <a:p>
-            <a:pPr marL="1122679" indent="-561340" lvl="1">
+              <a:t>How </a:t>
+            </a:r>
+            <a:r>
+              <a:rPr lang="en-US" sz="5199" dirty="0" err="1">
+                <a:solidFill>
+                  <a:srgbClr val="000000"/>
+                </a:solidFill>
+                <a:latin typeface="Times Neue Roman"/>
+              </a:rPr>
+              <a:t>Olx</a:t>
+            </a:r>
+            <a:r>
+              <a:rPr lang="en-US" sz="5199" dirty="0">
+                <a:solidFill>
+                  <a:srgbClr val="000000"/>
+                </a:solidFill>
+                <a:latin typeface="Times Neue Roman"/>
+              </a:rPr>
+              <a:t> and </a:t>
+            </a:r>
+            <a:r>
+              <a:rPr lang="en-US" sz="5199" dirty="0" err="1">
+                <a:solidFill>
+                  <a:srgbClr val="000000"/>
+                </a:solidFill>
+                <a:latin typeface="Times Neue Roman"/>
+              </a:rPr>
+              <a:t>Quikr</a:t>
+            </a:r>
+            <a:r>
+              <a:rPr lang="en-US" sz="5199" dirty="0">
+                <a:solidFill>
+                  <a:srgbClr val="000000"/>
+                </a:solidFill>
+                <a:latin typeface="Times Neue Roman"/>
+              </a:rPr>
+              <a:t> works.</a:t>
+            </a:r>
+          </a:p>
+          <a:p>
+            <a:pPr marL="1122679" lvl="1" indent="-561340">
               <a:lnSpc>
                 <a:spcPts val="7279"/>
               </a:lnSpc>
@@ -6289,7 +6376,7 @@
               <a:buChar char="•"/>
             </a:pPr>
             <a:r>
-              <a:rPr lang="en-US" sz="5199">
+              <a:rPr lang="en-US" sz="5199" dirty="0">
                 <a:solidFill>
                   <a:srgbClr val="000000"/>
                 </a:solidFill>
@@ -6302,12 +6389,12 @@
       </p:sp>
       <p:sp>
         <p:nvSpPr>
-          <p:cNvPr name="TextBox 6" id="6"/>
-          <p:cNvSpPr txBox="true"/>
+          <p:cNvPr id="6" name="TextBox 6"/>
+          <p:cNvSpPr txBox="1"/>
           <p:nvPr/>
         </p:nvSpPr>
         <p:spPr>
-          <a:xfrm rot="0">
+          <a:xfrm>
             <a:off x="2029410" y="5736494"/>
             <a:ext cx="15229890" cy="2793666"/>
           </a:xfrm>
@@ -6316,12 +6403,12 @@
           </a:prstGeom>
         </p:spPr>
         <p:txBody>
-          <a:bodyPr anchor="t" rtlCol="false" tIns="0" lIns="0" bIns="0" rIns="0">
+          <a:bodyPr lIns="0" tIns="0" rIns="0" bIns="0" rtlCol="0" anchor="t">
             <a:spAutoFit/>
           </a:bodyPr>
           <a:lstStyle/>
           <a:p>
-            <a:pPr marL="863596" indent="-431798" lvl="1">
+            <a:pPr marL="863596" lvl="1" indent="-431798">
               <a:lnSpc>
                 <a:spcPts val="5599"/>
               </a:lnSpc>
@@ -6344,9 +6431,10 @@
                 <a:spcPts val="5599"/>
               </a:lnSpc>
             </a:pPr>
-          </a:p>
-          <a:p>
-            <a:pPr marL="863596" indent="-431798" lvl="1">
+            <a:endParaRPr/>
+          </a:p>
+          <a:p>
+            <a:pPr marL="863596" lvl="1" indent="-431798">
               <a:lnSpc>
                 <a:spcPts val="5599"/>
               </a:lnSpc>
@@ -6370,11 +6458,18 @@
   <p:clrMapOvr>
     <a:masterClrMapping/>
   </p:clrMapOvr>
+  <p:timing>
+    <p:tnLst>
+      <p:par>
+        <p:cTn id="1" dur="indefinite" restart="never" nodeType="tmRoot"/>
+      </p:par>
+    </p:tnLst>
+  </p:timing>
 </p:sld>
 </file>
 
 <file path=ppt/slides/slide8.xml><?xml version="1.0" encoding="utf-8"?>
-<p:sld xmlns:p="http://schemas.openxmlformats.org/presentationml/2006/main" xmlns:a="http://schemas.openxmlformats.org/drawingml/2006/main">
+<p:sld xmlns:a="http://schemas.openxmlformats.org/drawingml/2006/main" xmlns:r="http://schemas.openxmlformats.org/officeDocument/2006/relationships" xmlns:p="http://schemas.openxmlformats.org/presentationml/2006/main">
   <p:cSld>
     <p:spTree>
       <p:nvGrpSpPr>
@@ -6392,12 +6487,12 @@
       </p:grpSpPr>
       <p:sp>
         <p:nvSpPr>
-          <p:cNvPr name="TextBox 2" id="2"/>
-          <p:cNvSpPr txBox="true"/>
+          <p:cNvPr id="2" name="TextBox 2"/>
+          <p:cNvSpPr txBox="1"/>
           <p:nvPr/>
         </p:nvSpPr>
         <p:spPr>
-          <a:xfrm rot="0">
+          <a:xfrm>
             <a:off x="1028700" y="990600"/>
             <a:ext cx="16230600" cy="3273007"/>
           </a:xfrm>
@@ -6406,12 +6501,12 @@
           </a:prstGeom>
         </p:spPr>
         <p:txBody>
-          <a:bodyPr anchor="t" rtlCol="false" tIns="0" lIns="0" bIns="0" rIns="0">
+          <a:bodyPr lIns="0" tIns="0" rIns="0" bIns="0" rtlCol="0" anchor="t">
             <a:spAutoFit/>
           </a:bodyPr>
           <a:lstStyle/>
           <a:p>
-            <a:pPr marL="863599" indent="-431800" lvl="1">
+            <a:pPr marL="863599" lvl="1" indent="-431800">
               <a:lnSpc>
                 <a:spcPts val="5199"/>
               </a:lnSpc>
@@ -6434,9 +6529,10 @@
                 <a:spcPts val="5199"/>
               </a:lnSpc>
             </a:pPr>
-          </a:p>
-          <a:p>
-            <a:pPr marL="863599" indent="-431800" lvl="1">
+            <a:endParaRPr/>
+          </a:p>
+          <a:p>
+            <a:pPr marL="863599" lvl="1" indent="-431800">
               <a:lnSpc>
                 <a:spcPts val="5199"/>
               </a:lnSpc>
@@ -6460,11 +6556,18 @@
   <p:clrMapOvr>
     <a:masterClrMapping/>
   </p:clrMapOvr>
+  <p:timing>
+    <p:tnLst>
+      <p:par>
+        <p:cTn id="1" dur="indefinite" restart="never" nodeType="tmRoot"/>
+      </p:par>
+    </p:tnLst>
+  </p:timing>
 </p:sld>
 </file>
 
 <file path=ppt/slides/slide9.xml><?xml version="1.0" encoding="utf-8"?>
-<p:sld xmlns:p="http://schemas.openxmlformats.org/presentationml/2006/main" xmlns:a="http://schemas.openxmlformats.org/drawingml/2006/main" xmlns:r="http://schemas.openxmlformats.org/officeDocument/2006/relationships">
+<p:sld xmlns:a="http://schemas.openxmlformats.org/drawingml/2006/main" xmlns:r="http://schemas.openxmlformats.org/officeDocument/2006/relationships" xmlns:p="http://schemas.openxmlformats.org/presentationml/2006/main">
   <p:cSld>
     <p:spTree>
       <p:nvGrpSpPr>
@@ -6482,13 +6585,13 @@
       </p:grpSpPr>
       <p:grpSp>
         <p:nvGrpSpPr>
-          <p:cNvPr name="Group 2" id="2"/>
+          <p:cNvPr id="2" name="Group 2"/>
           <p:cNvGrpSpPr/>
           <p:nvPr/>
         </p:nvGrpSpPr>
         <p:grpSpPr>
           <a:xfrm rot="-10800000">
-            <a:off x="-1814209" y="8773257"/>
+            <a:off x="-1981200" y="8724900"/>
             <a:ext cx="9822161" cy="6226137"/>
             <a:chOff x="0" y="0"/>
             <a:chExt cx="8474859" cy="5372100"/>
@@ -6496,7 +6599,7 @@
         </p:grpSpPr>
         <p:sp>
           <p:nvSpPr>
-            <p:cNvPr name="Freeform 3" id="3"/>
+            <p:cNvPr id="3" name="Freeform 3"/>
             <p:cNvSpPr/>
             <p:nvPr/>
           </p:nvSpPr>
@@ -6510,9 +6613,9 @@
               <a:gdLst/>
               <a:ahLst/>
               <a:cxnLst/>
-              <a:rect r="r" b="b" t="t" l="l"/>
+              <a:rect l="l" t="t" r="r" b="b"/>
               <a:pathLst>
-                <a:path h="5372100" w="8474859">
+                <a:path w="8474859" h="5372100">
                   <a:moveTo>
                     <a:pt x="6924189" y="0"/>
                   </a:moveTo>
@@ -6546,60 +6649,21 @@
       </p:grpSp>
       <p:sp>
         <p:nvSpPr>
-          <p:cNvPr name="TextBox 4" id="4"/>
-          <p:cNvSpPr txBox="true"/>
+          <p:cNvPr id="5" name="TextBox 5"/>
+          <p:cNvSpPr txBox="1"/>
           <p:nvPr/>
         </p:nvSpPr>
         <p:spPr>
-          <a:xfrm rot="0">
-            <a:off x="1028700" y="9416278"/>
-            <a:ext cx="4401730" cy="255905"/>
+          <a:xfrm>
+            <a:off x="1028700" y="592647"/>
+            <a:ext cx="16230600" cy="1193800"/>
           </a:xfrm>
           <a:prstGeom prst="rect">
             <a:avLst/>
           </a:prstGeom>
         </p:spPr>
         <p:txBody>
-          <a:bodyPr anchor="t" rtlCol="false" tIns="0" lIns="0" bIns="0" rIns="0">
-            <a:spAutoFit/>
-          </a:bodyPr>
-          <a:lstStyle/>
-          <a:p>
-            <a:pPr>
-              <a:lnSpc>
-                <a:spcPts val="2079"/>
-              </a:lnSpc>
-            </a:pPr>
-            <a:r>
-              <a:rPr lang="en-US" sz="1599" spc="15" u="sng">
-                <a:solidFill>
-                  <a:srgbClr val="FFFFFF"/>
-                </a:solidFill>
-                <a:latin typeface="Fira Sans Light"/>
-                <a:hlinkClick r:id="rId2" action="ppaction://hlinksldjump"/>
-              </a:rPr>
-              <a:t>Back to Lean Canvas Overview</a:t>
-            </a:r>
-          </a:p>
-        </p:txBody>
-      </p:sp>
-      <p:sp>
-        <p:nvSpPr>
-          <p:cNvPr name="TextBox 5" id="5"/>
-          <p:cNvSpPr txBox="true"/>
-          <p:nvPr/>
-        </p:nvSpPr>
-        <p:spPr>
-          <a:xfrm rot="0">
-            <a:off x="1028700" y="592647"/>
-            <a:ext cx="16230600" cy="1193800"/>
-          </a:xfrm>
-          <a:prstGeom prst="rect">
-            <a:avLst/>
-          </a:prstGeom>
-        </p:spPr>
-        <p:txBody>
-          <a:bodyPr anchor="t" rtlCol="false" tIns="0" lIns="0" bIns="0" rIns="0">
+          <a:bodyPr lIns="0" tIns="0" rIns="0" bIns="0" rtlCol="0" anchor="t">
             <a:spAutoFit/>
           </a:bodyPr>
           <a:lstStyle/>
@@ -6626,12 +6690,12 @@
       </p:sp>
       <p:sp>
         <p:nvSpPr>
-          <p:cNvPr name="TextBox 6" id="6"/>
-          <p:cNvSpPr txBox="true"/>
+          <p:cNvPr id="6" name="TextBox 6"/>
+          <p:cNvSpPr txBox="1"/>
           <p:nvPr/>
         </p:nvSpPr>
         <p:spPr>
-          <a:xfrm rot="0">
+          <a:xfrm>
             <a:off x="1028700" y="2552280"/>
             <a:ext cx="16230600" cy="5397995"/>
           </a:xfrm>
@@ -6640,12 +6704,12 @@
           </a:prstGeom>
         </p:spPr>
         <p:txBody>
-          <a:bodyPr anchor="t" rtlCol="false" tIns="0" lIns="0" bIns="0" rIns="0">
+          <a:bodyPr lIns="0" tIns="0" rIns="0" bIns="0" rtlCol="0" anchor="t">
             <a:spAutoFit/>
           </a:bodyPr>
           <a:lstStyle/>
           <a:p>
-            <a:pPr marL="1014632" indent="-507316" lvl="1">
+            <a:pPr marL="1014632" lvl="1" indent="-507316">
               <a:lnSpc>
                 <a:spcPts val="6109"/>
               </a:lnSpc>
@@ -6663,7 +6727,7 @@
             </a:r>
           </a:p>
           <a:p>
-            <a:pPr marL="1014632" indent="-507316" lvl="1">
+            <a:pPr marL="1014632" lvl="1" indent="-507316">
               <a:lnSpc>
                 <a:spcPts val="6109"/>
               </a:lnSpc>
@@ -6681,7 +6745,7 @@
             </a:r>
           </a:p>
           <a:p>
-            <a:pPr marL="1014632" indent="-507316" lvl="1">
+            <a:pPr marL="1014632" lvl="1" indent="-507316">
               <a:lnSpc>
                 <a:spcPts val="6109"/>
               </a:lnSpc>
@@ -6699,7 +6763,7 @@
             </a:r>
           </a:p>
           <a:p>
-            <a:pPr marL="1014632" indent="-507316" lvl="1">
+            <a:pPr marL="1014632" lvl="1" indent="-507316">
               <a:lnSpc>
                 <a:spcPts val="6109"/>
               </a:lnSpc>
@@ -6717,7 +6781,7 @@
             </a:r>
           </a:p>
           <a:p>
-            <a:pPr marL="1014632" indent="-507316" lvl="1">
+            <a:pPr marL="1014632" lvl="1" indent="-507316">
               <a:lnSpc>
                 <a:spcPts val="6109"/>
               </a:lnSpc>
@@ -6735,7 +6799,7 @@
             </a:r>
           </a:p>
           <a:p>
-            <a:pPr marL="1014632" indent="-507316" lvl="1">
+            <a:pPr marL="1014632" lvl="1" indent="-507316">
               <a:lnSpc>
                 <a:spcPts val="6109"/>
               </a:lnSpc>
@@ -6753,7 +6817,7 @@
             </a:r>
           </a:p>
           <a:p>
-            <a:pPr marL="1014632" indent="-507316" lvl="1">
+            <a:pPr marL="1014632" lvl="1" indent="-507316">
               <a:lnSpc>
                 <a:spcPts val="6109"/>
               </a:lnSpc>
@@ -6777,6 +6841,13 @@
   <p:clrMapOvr>
     <a:masterClrMapping/>
   </p:clrMapOvr>
+  <p:timing>
+    <p:tnLst>
+      <p:par>
+        <p:cTn id="1" dur="indefinite" restart="never" nodeType="tmRoot"/>
+      </p:par>
+    </p:tnLst>
+  </p:timing>
 </p:sld>
 </file>
 
